--- a/揀選(崇拜版).pptx
+++ b/揀選(崇拜版).pptx
@@ -7,10 +7,9 @@
   <p:sldIdLst>
     <p:sldId id="256" r:id="rId2"/>
     <p:sldId id="257" r:id="rId3"/>
-    <p:sldId id="258" r:id="rId4"/>
-    <p:sldId id="259" r:id="rId5"/>
+    <p:sldId id="259" r:id="rId4"/>
   </p:sldIdLst>
-  <p:sldSz cx="9144000" cy="6858000" type="screen4x3"/>
+  <p:sldSz cx="9144000" cy="5143500" type="screen16x9"/>
   <p:notesSz cx="6858000" cy="9144000"/>
   <p:defaultTextStyle>
     <a:defPPr>
@@ -139,8 +138,8 @@
         </p:nvSpPr>
         <p:spPr>
           <a:xfrm>
-            <a:off x="685800" y="2130425"/>
-            <a:ext cx="7772400" cy="1470025"/>
+            <a:off x="685800" y="1597819"/>
+            <a:ext cx="7772400" cy="1102519"/>
           </a:xfrm>
         </p:spPr>
         <p:txBody>
@@ -167,8 +166,8 @@
         </p:nvSpPr>
         <p:spPr>
           <a:xfrm>
-            <a:off x="1371600" y="3886200"/>
-            <a:ext cx="6400800" cy="1752600"/>
+            <a:off x="1371600" y="2914650"/>
+            <a:ext cx="6400800" cy="1314450"/>
           </a:xfrm>
         </p:spPr>
         <p:txBody>
@@ -291,7 +290,7 @@
           <a:p>
             <a:fld id="{99ACEE97-997B-4A4F-AF3D-6B6CD75D4604}" type="datetimeFigureOut">
               <a:rPr lang="zh-TW" altLang="en-US" smtClean="0"/>
-              <a:t>2018/5/12</a:t>
+              <a:t>2019/8/9</a:t>
             </a:fld>
             <a:endParaRPr lang="zh-TW" altLang="en-US"/>
           </a:p>
@@ -456,7 +455,7 @@
           <a:p>
             <a:fld id="{99ACEE97-997B-4A4F-AF3D-6B6CD75D4604}" type="datetimeFigureOut">
               <a:rPr lang="zh-TW" altLang="en-US" smtClean="0"/>
-              <a:t>2018/5/12</a:t>
+              <a:t>2019/8/9</a:t>
             </a:fld>
             <a:endParaRPr lang="zh-TW" altLang="en-US"/>
           </a:p>
@@ -541,8 +540,8 @@
         </p:nvSpPr>
         <p:spPr>
           <a:xfrm>
-            <a:off x="6629400" y="274638"/>
-            <a:ext cx="2057400" cy="5851525"/>
+            <a:off x="6629400" y="205979"/>
+            <a:ext cx="2057400" cy="4388644"/>
           </a:xfrm>
         </p:spPr>
         <p:txBody>
@@ -569,8 +568,8 @@
         </p:nvSpPr>
         <p:spPr>
           <a:xfrm>
-            <a:off x="457200" y="274638"/>
-            <a:ext cx="6019800" cy="5851525"/>
+            <a:off x="457200" y="205979"/>
+            <a:ext cx="6019800" cy="4388644"/>
           </a:xfrm>
         </p:spPr>
         <p:txBody>
@@ -631,7 +630,7 @@
           <a:p>
             <a:fld id="{99ACEE97-997B-4A4F-AF3D-6B6CD75D4604}" type="datetimeFigureOut">
               <a:rPr lang="zh-TW" altLang="en-US" smtClean="0"/>
-              <a:t>2018/5/12</a:t>
+              <a:t>2019/8/9</a:t>
             </a:fld>
             <a:endParaRPr lang="zh-TW" altLang="en-US"/>
           </a:p>
@@ -796,7 +795,7 @@
           <a:p>
             <a:fld id="{99ACEE97-997B-4A4F-AF3D-6B6CD75D4604}" type="datetimeFigureOut">
               <a:rPr lang="zh-TW" altLang="en-US" smtClean="0"/>
-              <a:t>2018/5/12</a:t>
+              <a:t>2019/8/9</a:t>
             </a:fld>
             <a:endParaRPr lang="zh-TW" altLang="en-US"/>
           </a:p>
@@ -881,8 +880,8 @@
         </p:nvSpPr>
         <p:spPr>
           <a:xfrm>
-            <a:off x="722313" y="4406900"/>
-            <a:ext cx="7772400" cy="1362075"/>
+            <a:off x="722313" y="3305176"/>
+            <a:ext cx="7772400" cy="1021556"/>
           </a:xfrm>
         </p:spPr>
         <p:txBody>
@@ -913,8 +912,8 @@
         </p:nvSpPr>
         <p:spPr>
           <a:xfrm>
-            <a:off x="722313" y="2906713"/>
-            <a:ext cx="7772400" cy="1500187"/>
+            <a:off x="722313" y="2180035"/>
+            <a:ext cx="7772400" cy="1125140"/>
           </a:xfrm>
         </p:spPr>
         <p:txBody>
@@ -1037,7 +1036,7 @@
           <a:p>
             <a:fld id="{99ACEE97-997B-4A4F-AF3D-6B6CD75D4604}" type="datetimeFigureOut">
               <a:rPr lang="zh-TW" altLang="en-US" smtClean="0"/>
-              <a:t>2018/5/12</a:t>
+              <a:t>2019/8/9</a:t>
             </a:fld>
             <a:endParaRPr lang="zh-TW" altLang="en-US"/>
           </a:p>
@@ -1145,8 +1144,8 @@
         </p:nvSpPr>
         <p:spPr>
           <a:xfrm>
-            <a:off x="457200" y="1600200"/>
-            <a:ext cx="4038600" cy="4525963"/>
+            <a:off x="457200" y="1200151"/>
+            <a:ext cx="4038600" cy="3394472"/>
           </a:xfrm>
         </p:spPr>
         <p:txBody>
@@ -1230,8 +1229,8 @@
         </p:nvSpPr>
         <p:spPr>
           <a:xfrm>
-            <a:off x="4648200" y="1600200"/>
-            <a:ext cx="4038600" cy="4525963"/>
+            <a:off x="4648200" y="1200151"/>
+            <a:ext cx="4038600" cy="3394472"/>
           </a:xfrm>
         </p:spPr>
         <p:txBody>
@@ -1320,7 +1319,7 @@
           <a:p>
             <a:fld id="{99ACEE97-997B-4A4F-AF3D-6B6CD75D4604}" type="datetimeFigureOut">
               <a:rPr lang="zh-TW" altLang="en-US" smtClean="0"/>
-              <a:t>2018/5/12</a:t>
+              <a:t>2019/8/9</a:t>
             </a:fld>
             <a:endParaRPr lang="zh-TW" altLang="en-US"/>
           </a:p>
@@ -1432,8 +1431,8 @@
         </p:nvSpPr>
         <p:spPr>
           <a:xfrm>
-            <a:off x="457200" y="1535113"/>
-            <a:ext cx="4040188" cy="639762"/>
+            <a:off x="457200" y="1151335"/>
+            <a:ext cx="4040188" cy="479822"/>
           </a:xfrm>
         </p:spPr>
         <p:txBody>
@@ -1497,8 +1496,8 @@
         </p:nvSpPr>
         <p:spPr>
           <a:xfrm>
-            <a:off x="457200" y="2174875"/>
-            <a:ext cx="4040188" cy="3951288"/>
+            <a:off x="457200" y="1631156"/>
+            <a:ext cx="4040188" cy="2963466"/>
           </a:xfrm>
         </p:spPr>
         <p:txBody>
@@ -1582,8 +1581,8 @@
         </p:nvSpPr>
         <p:spPr>
           <a:xfrm>
-            <a:off x="4645025" y="1535113"/>
-            <a:ext cx="4041775" cy="639762"/>
+            <a:off x="4645026" y="1151335"/>
+            <a:ext cx="4041775" cy="479822"/>
           </a:xfrm>
         </p:spPr>
         <p:txBody>
@@ -1647,8 +1646,8 @@
         </p:nvSpPr>
         <p:spPr>
           <a:xfrm>
-            <a:off x="4645025" y="2174875"/>
-            <a:ext cx="4041775" cy="3951288"/>
+            <a:off x="4645026" y="1631156"/>
+            <a:ext cx="4041775" cy="2963466"/>
           </a:xfrm>
         </p:spPr>
         <p:txBody>
@@ -1737,7 +1736,7 @@
           <a:p>
             <a:fld id="{99ACEE97-997B-4A4F-AF3D-6B6CD75D4604}" type="datetimeFigureOut">
               <a:rPr lang="zh-TW" altLang="en-US" smtClean="0"/>
-              <a:t>2018/5/12</a:t>
+              <a:t>2019/8/9</a:t>
             </a:fld>
             <a:endParaRPr lang="zh-TW" altLang="en-US"/>
           </a:p>
@@ -1850,7 +1849,7 @@
           <a:p>
             <a:fld id="{99ACEE97-997B-4A4F-AF3D-6B6CD75D4604}" type="datetimeFigureOut">
               <a:rPr lang="zh-TW" altLang="en-US" smtClean="0"/>
-              <a:t>2018/5/12</a:t>
+              <a:t>2019/8/9</a:t>
             </a:fld>
             <a:endParaRPr lang="zh-TW" altLang="en-US"/>
           </a:p>
@@ -1940,7 +1939,7 @@
           <a:p>
             <a:fld id="{99ACEE97-997B-4A4F-AF3D-6B6CD75D4604}" type="datetimeFigureOut">
               <a:rPr lang="zh-TW" altLang="en-US" smtClean="0"/>
-              <a:t>2018/5/12</a:t>
+              <a:t>2019/8/9</a:t>
             </a:fld>
             <a:endParaRPr lang="zh-TW" altLang="en-US"/>
           </a:p>
@@ -2025,8 +2024,8 @@
         </p:nvSpPr>
         <p:spPr>
           <a:xfrm>
-            <a:off x="457200" y="273050"/>
-            <a:ext cx="3008313" cy="1162050"/>
+            <a:off x="457201" y="204787"/>
+            <a:ext cx="3008313" cy="871538"/>
           </a:xfrm>
         </p:spPr>
         <p:txBody>
@@ -2057,8 +2056,8 @@
         </p:nvSpPr>
         <p:spPr>
           <a:xfrm>
-            <a:off x="3575050" y="273050"/>
-            <a:ext cx="5111750" cy="5853113"/>
+            <a:off x="3575050" y="204788"/>
+            <a:ext cx="5111750" cy="4389835"/>
           </a:xfrm>
         </p:spPr>
         <p:txBody>
@@ -2142,8 +2141,8 @@
         </p:nvSpPr>
         <p:spPr>
           <a:xfrm>
-            <a:off x="457200" y="1435100"/>
-            <a:ext cx="3008313" cy="4691063"/>
+            <a:off x="457201" y="1076326"/>
+            <a:ext cx="3008313" cy="3518297"/>
           </a:xfrm>
         </p:spPr>
         <p:txBody>
@@ -2212,7 +2211,7 @@
           <a:p>
             <a:fld id="{99ACEE97-997B-4A4F-AF3D-6B6CD75D4604}" type="datetimeFigureOut">
               <a:rPr lang="zh-TW" altLang="en-US" smtClean="0"/>
-              <a:t>2018/5/12</a:t>
+              <a:t>2019/8/9</a:t>
             </a:fld>
             <a:endParaRPr lang="zh-TW" altLang="en-US"/>
           </a:p>
@@ -2297,8 +2296,8 @@
         </p:nvSpPr>
         <p:spPr>
           <a:xfrm>
-            <a:off x="1792288" y="4800600"/>
-            <a:ext cx="5486400" cy="566738"/>
+            <a:off x="1792288" y="3600450"/>
+            <a:ext cx="5486400" cy="425054"/>
           </a:xfrm>
         </p:spPr>
         <p:txBody>
@@ -2329,8 +2328,8 @@
         </p:nvSpPr>
         <p:spPr>
           <a:xfrm>
-            <a:off x="1792288" y="612775"/>
-            <a:ext cx="5486400" cy="4114800"/>
+            <a:off x="1792288" y="459581"/>
+            <a:ext cx="5486400" cy="3086100"/>
           </a:xfrm>
         </p:spPr>
         <p:txBody>
@@ -2394,8 +2393,8 @@
         </p:nvSpPr>
         <p:spPr>
           <a:xfrm>
-            <a:off x="1792288" y="5367338"/>
-            <a:ext cx="5486400" cy="804862"/>
+            <a:off x="1792288" y="4025503"/>
+            <a:ext cx="5486400" cy="603647"/>
           </a:xfrm>
         </p:spPr>
         <p:txBody>
@@ -2464,7 +2463,7 @@
           <a:p>
             <a:fld id="{99ACEE97-997B-4A4F-AF3D-6B6CD75D4604}" type="datetimeFigureOut">
               <a:rPr lang="zh-TW" altLang="en-US" smtClean="0"/>
-              <a:t>2018/5/12</a:t>
+              <a:t>2019/8/9</a:t>
             </a:fld>
             <a:endParaRPr lang="zh-TW" altLang="en-US"/>
           </a:p>
@@ -2559,8 +2558,8 @@
         </p:nvSpPr>
         <p:spPr>
           <a:xfrm>
-            <a:off x="457200" y="274638"/>
-            <a:ext cx="8229600" cy="1143000"/>
+            <a:off x="457200" y="205979"/>
+            <a:ext cx="8229600" cy="857250"/>
           </a:xfrm>
           <a:prstGeom prst="rect">
             <a:avLst/>
@@ -2592,8 +2591,8 @@
         </p:nvSpPr>
         <p:spPr>
           <a:xfrm>
-            <a:off x="457200" y="1600200"/>
-            <a:ext cx="8229600" cy="4525963"/>
+            <a:off x="457200" y="1200151"/>
+            <a:ext cx="8229600" cy="3394472"/>
           </a:xfrm>
           <a:prstGeom prst="rect">
             <a:avLst/>
@@ -2654,8 +2653,8 @@
         </p:nvSpPr>
         <p:spPr>
           <a:xfrm>
-            <a:off x="457200" y="6356350"/>
-            <a:ext cx="2133600" cy="365125"/>
+            <a:off x="457200" y="4767263"/>
+            <a:ext cx="2133600" cy="273844"/>
           </a:xfrm>
           <a:prstGeom prst="rect">
             <a:avLst/>
@@ -2677,7 +2676,7 @@
           <a:p>
             <a:fld id="{99ACEE97-997B-4A4F-AF3D-6B6CD75D4604}" type="datetimeFigureOut">
               <a:rPr lang="zh-TW" altLang="en-US" smtClean="0"/>
-              <a:t>2018/5/12</a:t>
+              <a:t>2019/8/9</a:t>
             </a:fld>
             <a:endParaRPr lang="zh-TW" altLang="en-US"/>
           </a:p>
@@ -2695,8 +2694,8 @@
         </p:nvSpPr>
         <p:spPr>
           <a:xfrm>
-            <a:off x="3124200" y="6356350"/>
-            <a:ext cx="2895600" cy="365125"/>
+            <a:off x="3124200" y="4767263"/>
+            <a:ext cx="2895600" cy="273844"/>
           </a:xfrm>
           <a:prstGeom prst="rect">
             <a:avLst/>
@@ -2732,8 +2731,8 @@
         </p:nvSpPr>
         <p:spPr>
           <a:xfrm>
-            <a:off x="6553200" y="6356350"/>
-            <a:ext cx="2133600" cy="365125"/>
+            <a:off x="6553200" y="4767263"/>
+            <a:ext cx="2133600" cy="273844"/>
           </a:xfrm>
           <a:prstGeom prst="rect">
             <a:avLst/>
@@ -3059,11 +3058,13 @@
         </p:nvSpPr>
         <p:spPr/>
         <p:txBody>
-          <a:bodyPr/>
-          <a:lstStyle/>
-          <a:p>
-            <a:r>
-              <a:rPr lang="zh-CN" altLang="en-US" b="1" dirty="0" smtClean="0">
+          <a:bodyPr>
+            <a:normAutofit/>
+          </a:bodyPr>
+          <a:lstStyle/>
+          <a:p>
+            <a:r>
+              <a:rPr lang="zh-CN" altLang="en-US" sz="4000" b="1" dirty="0" smtClean="0">
                 <a:solidFill>
                   <a:srgbClr val="660033"/>
                 </a:solidFill>
@@ -3072,7 +3073,7 @@
               </a:rPr>
               <a:t>揀選</a:t>
             </a:r>
-            <a:endParaRPr lang="zh-TW" altLang="en-US" b="1" dirty="0">
+            <a:endParaRPr lang="zh-TW" altLang="en-US" sz="4000" b="1" dirty="0">
               <a:solidFill>
                 <a:srgbClr val="660033"/>
               </a:solidFill>
@@ -3092,10 +3093,15 @@
             <p:ph idx="1"/>
           </p:nvPr>
         </p:nvSpPr>
-        <p:spPr/>
+        <p:spPr>
+          <a:xfrm>
+            <a:off x="0" y="1200151"/>
+            <a:ext cx="9144000" cy="3394472"/>
+          </a:xfrm>
+        </p:spPr>
         <p:txBody>
           <a:bodyPr>
-            <a:normAutofit/>
+            <a:noAutofit/>
           </a:bodyPr>
           <a:lstStyle/>
           <a:p>
@@ -3103,7 +3109,7 @@
               <a:buNone/>
             </a:pPr>
             <a:r>
-              <a:rPr lang="zh-TW" altLang="en-US" sz="5400" b="1" dirty="0" smtClean="0">
+              <a:rPr lang="zh-TW" altLang="en-US" sz="4800" b="1" dirty="0" smtClean="0">
                 <a:solidFill>
                   <a:srgbClr val="660033"/>
                 </a:solidFill>
@@ -3113,7 +3119,7 @@
               <a:t>你十字架的大</a:t>
             </a:r>
             <a:r>
-              <a:rPr lang="zh-TW" altLang="en-US" sz="5400" b="1" dirty="0" smtClean="0">
+              <a:rPr lang="zh-TW" altLang="en-US" sz="4800" b="1" dirty="0" smtClean="0">
                 <a:solidFill>
                   <a:srgbClr val="660033"/>
                 </a:solidFill>
@@ -3122,7 +3128,7 @@
               </a:rPr>
               <a:t>能</a:t>
             </a:r>
-            <a:endParaRPr lang="en-US" altLang="zh-TW" sz="5400" b="1" dirty="0" smtClean="0">
+            <a:endParaRPr lang="en-US" altLang="zh-TW" sz="4800" b="1" dirty="0" smtClean="0">
               <a:solidFill>
                 <a:srgbClr val="660033"/>
               </a:solidFill>
@@ -3135,36 +3141,16 @@
               <a:buNone/>
             </a:pPr>
             <a:r>
-              <a:rPr lang="zh-TW" altLang="en-US" sz="5400" b="1" dirty="0" smtClean="0">
+              <a:rPr lang="zh-TW" altLang="en-US" sz="4800" b="1" dirty="0" smtClean="0">
                 <a:solidFill>
                   <a:srgbClr val="660033"/>
                 </a:solidFill>
                 <a:latin typeface="微軟正黑體" pitchFamily="34" charset="-120"/>
                 <a:ea typeface="微軟正黑體" pitchFamily="34" charset="-120"/>
               </a:rPr>
-              <a:t>重價</a:t>
-            </a:r>
-            <a:r>
-              <a:rPr lang="zh-TW" altLang="en-US" sz="5400" b="1" dirty="0" smtClean="0">
-                <a:solidFill>
-                  <a:srgbClr val="660033"/>
-                </a:solidFill>
-                <a:latin typeface="微軟正黑體" pitchFamily="34" charset="-120"/>
-                <a:ea typeface="微軟正黑體" pitchFamily="34" charset="-120"/>
-              </a:rPr>
-              <a:t>贖回我</a:t>
-            </a:r>
-            <a:r>
-              <a:rPr lang="zh-TW" altLang="en-US" sz="5400" b="1" dirty="0" smtClean="0">
-                <a:solidFill>
-                  <a:srgbClr val="660033"/>
-                </a:solidFill>
-                <a:latin typeface="微軟正黑體" pitchFamily="34" charset="-120"/>
-                <a:ea typeface="微軟正黑體" pitchFamily="34" charset="-120"/>
-              </a:rPr>
-              <a:t>靈魂</a:t>
-            </a:r>
-            <a:endParaRPr lang="en-US" altLang="zh-TW" sz="5400" b="1" dirty="0" smtClean="0">
+              <a:t>重價贖回我靈魂</a:t>
+            </a:r>
+            <a:endParaRPr lang="en-US" altLang="zh-TW" sz="4800" b="1" dirty="0" smtClean="0">
               <a:solidFill>
                 <a:srgbClr val="660033"/>
               </a:solidFill>
@@ -3177,7 +3163,7 @@
               <a:buNone/>
             </a:pPr>
             <a:r>
-              <a:rPr lang="zh-TW" altLang="en-US" sz="5400" b="1" dirty="0" smtClean="0">
+              <a:rPr lang="zh-TW" altLang="en-US" sz="4800" b="1" dirty="0" smtClean="0">
                 <a:solidFill>
                   <a:srgbClr val="660033"/>
                 </a:solidFill>
@@ -3187,7 +3173,7 @@
               <a:t>你</a:t>
             </a:r>
             <a:r>
-              <a:rPr lang="zh-TW" altLang="en-US" sz="5400" b="1" dirty="0" smtClean="0">
+              <a:rPr lang="zh-TW" altLang="en-US" sz="4800" b="1" dirty="0" smtClean="0">
                 <a:solidFill>
                   <a:srgbClr val="660033"/>
                 </a:solidFill>
@@ -3197,7 +3183,7 @@
               <a:t>恩典使我被揀</a:t>
             </a:r>
             <a:r>
-              <a:rPr lang="zh-TW" altLang="en-US" sz="5400" b="1" dirty="0" smtClean="0">
+              <a:rPr lang="zh-TW" altLang="en-US" sz="4800" b="1" dirty="0" smtClean="0">
                 <a:solidFill>
                   <a:srgbClr val="660033"/>
                 </a:solidFill>
@@ -3206,7 +3192,7 @@
               </a:rPr>
               <a:t>選</a:t>
             </a:r>
-            <a:endParaRPr lang="en-US" altLang="zh-TW" sz="5400" b="1" dirty="0" smtClean="0">
+            <a:endParaRPr lang="en-US" altLang="zh-TW" sz="4800" b="1" dirty="0" smtClean="0">
               <a:solidFill>
                 <a:srgbClr val="660033"/>
               </a:solidFill>
@@ -3219,26 +3205,16 @@
               <a:buNone/>
             </a:pPr>
             <a:r>
-              <a:rPr lang="zh-TW" altLang="en-US" sz="5400" b="1" dirty="0" smtClean="0">
+              <a:rPr lang="zh-TW" altLang="en-US" sz="4800" b="1" dirty="0" smtClean="0">
                 <a:solidFill>
                   <a:srgbClr val="660033"/>
                 </a:solidFill>
                 <a:latin typeface="微軟正黑體" pitchFamily="34" charset="-120"/>
                 <a:ea typeface="微軟正黑體" pitchFamily="34" charset="-120"/>
               </a:rPr>
-              <a:t>叫</a:t>
-            </a:r>
-            <a:r>
-              <a:rPr lang="zh-TW" altLang="en-US" sz="5400" b="1" dirty="0" smtClean="0">
-                <a:solidFill>
-                  <a:srgbClr val="660033"/>
-                </a:solidFill>
-                <a:latin typeface="微軟正黑體" pitchFamily="34" charset="-120"/>
-                <a:ea typeface="微軟正黑體" pitchFamily="34" charset="-120"/>
-              </a:rPr>
-              <a:t>我生命果子常存</a:t>
-            </a:r>
-            <a:endParaRPr lang="zh-TW" altLang="en-US" sz="5400" b="1" dirty="0">
+              <a:t>叫我生命果子常存</a:t>
+            </a:r>
+            <a:endParaRPr lang="zh-TW" altLang="en-US" sz="4800" b="1" dirty="0">
               <a:solidFill>
                 <a:srgbClr val="660033"/>
               </a:solidFill>
@@ -3285,11 +3261,13 @@
         </p:nvSpPr>
         <p:spPr/>
         <p:txBody>
-          <a:bodyPr/>
-          <a:lstStyle/>
-          <a:p>
-            <a:r>
-              <a:rPr lang="zh-CN" altLang="en-US" b="1" dirty="0" smtClean="0">
+          <a:bodyPr>
+            <a:normAutofit/>
+          </a:bodyPr>
+          <a:lstStyle/>
+          <a:p>
+            <a:r>
+              <a:rPr lang="zh-CN" altLang="en-US" sz="4000" b="1" dirty="0">
                 <a:solidFill>
                   <a:srgbClr val="660033"/>
                 </a:solidFill>
@@ -3298,7 +3276,7 @@
               </a:rPr>
               <a:t>揀選</a:t>
             </a:r>
-            <a:endParaRPr lang="zh-TW" altLang="en-US" b="1" dirty="0">
+            <a:endParaRPr lang="zh-TW" altLang="en-US" sz="4000" b="1" dirty="0">
               <a:solidFill>
                 <a:srgbClr val="660033"/>
               </a:solidFill>
@@ -3318,7 +3296,12 @@
             <p:ph idx="1"/>
           </p:nvPr>
         </p:nvSpPr>
-        <p:spPr/>
+        <p:spPr>
+          <a:xfrm>
+            <a:off x="0" y="1200150"/>
+            <a:ext cx="9144000" cy="3943349"/>
+          </a:xfrm>
+        </p:spPr>
         <p:txBody>
           <a:bodyPr>
             <a:normAutofit/>
@@ -3329,7 +3312,7 @@
               <a:buNone/>
             </a:pPr>
             <a:r>
-              <a:rPr lang="zh-TW" altLang="en-US" sz="5400" b="1" dirty="0" smtClean="0">
+              <a:rPr lang="zh-TW" altLang="en-US" sz="4800" b="1" dirty="0">
                 <a:solidFill>
                   <a:srgbClr val="660033"/>
                 </a:solidFill>
@@ -3338,7 +3321,7 @@
               </a:rPr>
               <a:t>求主用我來贏得更多靈魂</a:t>
             </a:r>
-            <a:endParaRPr lang="en-US" altLang="zh-TW" sz="5400" b="1" dirty="0" smtClean="0">
+            <a:endParaRPr lang="en-US" altLang="zh-TW" sz="4800" b="1" dirty="0">
               <a:solidFill>
                 <a:srgbClr val="660033"/>
               </a:solidFill>
@@ -3351,16 +3334,46 @@
               <a:buNone/>
             </a:pPr>
             <a:r>
-              <a:rPr lang="zh-TW" altLang="en-US" sz="5400" b="1" dirty="0" smtClean="0">
+              <a:rPr lang="zh-TW" altLang="en-US" sz="4800" b="1" dirty="0">
                 <a:solidFill>
                   <a:srgbClr val="660033"/>
                 </a:solidFill>
                 <a:latin typeface="微軟正黑體" pitchFamily="34" charset="-120"/>
                 <a:ea typeface="微軟正黑體" pitchFamily="34" charset="-120"/>
               </a:rPr>
-              <a:t>堅固我  潔淨我</a:t>
-            </a:r>
-            <a:endParaRPr lang="en-US" altLang="zh-TW" sz="5400" b="1" dirty="0" smtClean="0">
+              <a:t>堅固我  潔淨</a:t>
+            </a:r>
+            <a:r>
+              <a:rPr lang="zh-TW" altLang="en-US" sz="4800" b="1" dirty="0" smtClean="0">
+                <a:solidFill>
+                  <a:srgbClr val="660033"/>
+                </a:solidFill>
+                <a:latin typeface="微軟正黑體" pitchFamily="34" charset="-120"/>
+                <a:ea typeface="微軟正黑體" pitchFamily="34" charset="-120"/>
+              </a:rPr>
+              <a:t>我  委</a:t>
+            </a:r>
+            <a:r>
+              <a:rPr lang="zh-TW" altLang="en-US" sz="4800" b="1" dirty="0">
+                <a:solidFill>
+                  <a:srgbClr val="660033"/>
+                </a:solidFill>
+                <a:latin typeface="微軟正黑體" pitchFamily="34" charset="-120"/>
+                <a:ea typeface="微軟正黑體" pitchFamily="34" charset="-120"/>
+              </a:rPr>
+              <a:t>身做你門</a:t>
+            </a:r>
+            <a:r>
+              <a:rPr lang="zh-TW" altLang="en-US" sz="4800" b="1" dirty="0" smtClean="0">
+                <a:solidFill>
+                  <a:srgbClr val="660033"/>
+                </a:solidFill>
+                <a:latin typeface="微軟正黑體" pitchFamily="34" charset="-120"/>
+                <a:ea typeface="微軟正黑體" pitchFamily="34" charset="-120"/>
+              </a:rPr>
+              <a:t>徒</a:t>
+            </a:r>
+            <a:endParaRPr lang="en-US" altLang="zh-TW" sz="4800" b="1" dirty="0" smtClean="0">
               <a:solidFill>
                 <a:srgbClr val="660033"/>
               </a:solidFill>
@@ -3373,15 +3386,74 @@
               <a:buNone/>
             </a:pPr>
             <a:r>
-              <a:rPr lang="zh-TW" altLang="en-US" sz="5400" b="1" dirty="0" smtClean="0">
+              <a:rPr lang="zh-TW" altLang="en-US" sz="4800" b="1" dirty="0">
                 <a:solidFill>
                   <a:srgbClr val="660033"/>
                 </a:solidFill>
                 <a:latin typeface="微軟正黑體" pitchFamily="34" charset="-120"/>
                 <a:ea typeface="微軟正黑體" pitchFamily="34" charset="-120"/>
               </a:rPr>
-              <a:t>委身做你門徒</a:t>
-            </a:r>
+              <a:t>求主差遣我去傳揚你的愛</a:t>
+            </a:r>
+            <a:endParaRPr lang="en-US" altLang="zh-TW" sz="4800" b="1" dirty="0">
+              <a:solidFill>
+                <a:srgbClr val="660033"/>
+              </a:solidFill>
+              <a:latin typeface="微軟正黑體" pitchFamily="34" charset="-120"/>
+              <a:ea typeface="微軟正黑體" pitchFamily="34" charset="-120"/>
+            </a:endParaRPr>
+          </a:p>
+          <a:p>
+            <a:pPr algn="ctr">
+              <a:buNone/>
+            </a:pPr>
+            <a:r>
+              <a:rPr lang="zh-TW" altLang="en-US" sz="4800" b="1" dirty="0">
+                <a:solidFill>
+                  <a:srgbClr val="660033"/>
+                </a:solidFill>
+                <a:latin typeface="微軟正黑體" pitchFamily="34" charset="-120"/>
+                <a:ea typeface="微軟正黑體" pitchFamily="34" charset="-120"/>
+              </a:rPr>
+              <a:t>以愛擁抱城市</a:t>
+            </a:r>
+            <a:r>
+              <a:rPr lang="en-US" altLang="zh-TW" sz="4800" b="1" dirty="0">
+                <a:solidFill>
+                  <a:srgbClr val="660033"/>
+                </a:solidFill>
+                <a:latin typeface="微軟正黑體" pitchFamily="34" charset="-120"/>
+                <a:ea typeface="微軟正黑體" pitchFamily="34" charset="-120"/>
+              </a:rPr>
+              <a:t>  </a:t>
+            </a:r>
+            <a:r>
+              <a:rPr lang="zh-TW" altLang="en-US" sz="4800" b="1" dirty="0">
+                <a:solidFill>
+                  <a:srgbClr val="660033"/>
+                </a:solidFill>
+                <a:latin typeface="微軟正黑體" pitchFamily="34" charset="-120"/>
+                <a:ea typeface="微軟正黑體" pitchFamily="34" charset="-120"/>
+              </a:rPr>
+              <a:t>建立合一教</a:t>
+            </a:r>
+            <a:r>
+              <a:rPr lang="zh-TW" altLang="en-US" sz="4800" b="1" dirty="0" smtClean="0">
+                <a:solidFill>
+                  <a:srgbClr val="660033"/>
+                </a:solidFill>
+                <a:latin typeface="微軟正黑體" pitchFamily="34" charset="-120"/>
+                <a:ea typeface="微軟正黑體" pitchFamily="34" charset="-120"/>
+              </a:rPr>
+              <a:t>會</a:t>
+            </a:r>
+            <a:endParaRPr lang="zh-TW" altLang="en-US" sz="4800" b="1" dirty="0">
+              <a:solidFill>
+                <a:srgbClr val="660033"/>
+              </a:solidFill>
+              <a:latin typeface="微軟正黑體" pitchFamily="34" charset="-120"/>
+              <a:ea typeface="微軟正黑體" pitchFamily="34" charset="-120"/>
+            </a:endParaRPr>
           </a:p>
         </p:txBody>
       </p:sp>
@@ -3422,11 +3494,13 @@
         </p:nvSpPr>
         <p:spPr/>
         <p:txBody>
-          <a:bodyPr/>
-          <a:lstStyle/>
-          <a:p>
-            <a:r>
-              <a:rPr lang="zh-CN" altLang="en-US" b="1" dirty="0" smtClean="0">
+          <a:bodyPr>
+            <a:normAutofit/>
+          </a:bodyPr>
+          <a:lstStyle/>
+          <a:p>
+            <a:r>
+              <a:rPr lang="zh-CN" altLang="en-US" sz="4000" b="1" dirty="0">
                 <a:solidFill>
                   <a:srgbClr val="660033"/>
                 </a:solidFill>
@@ -3435,7 +3509,7 @@
               </a:rPr>
               <a:t>揀選</a:t>
             </a:r>
-            <a:endParaRPr lang="zh-TW" altLang="en-US" b="1" dirty="0">
+            <a:endParaRPr lang="zh-TW" altLang="en-US" sz="4000" b="1" dirty="0">
               <a:solidFill>
                 <a:srgbClr val="660033"/>
               </a:solidFill>
@@ -3466,16 +3540,16 @@
               <a:buNone/>
             </a:pPr>
             <a:r>
-              <a:rPr lang="zh-TW" altLang="en-US" sz="5400" b="1" dirty="0" smtClean="0">
+              <a:rPr lang="zh-TW" altLang="en-US" sz="4800" b="1" dirty="0">
                 <a:solidFill>
                   <a:srgbClr val="660033"/>
                 </a:solidFill>
                 <a:latin typeface="微軟正黑體" pitchFamily="34" charset="-120"/>
                 <a:ea typeface="微軟正黑體" pitchFamily="34" charset="-120"/>
               </a:rPr>
-              <a:t>求主差遣我去傳揚你的愛</a:t>
-            </a:r>
-            <a:endParaRPr lang="en-US" altLang="zh-TW" sz="5400" b="1" dirty="0" smtClean="0">
+              <a:t>賜我信心宣告</a:t>
+            </a:r>
+            <a:endParaRPr lang="en-US" altLang="zh-TW" sz="4800" b="1" dirty="0">
               <a:solidFill>
                 <a:srgbClr val="660033"/>
               </a:solidFill>
@@ -3488,16 +3562,16 @@
               <a:buNone/>
             </a:pPr>
             <a:r>
-              <a:rPr lang="zh-TW" altLang="en-US" sz="5400" b="1" dirty="0" smtClean="0">
+              <a:rPr lang="zh-TW" altLang="en-US" sz="4800" b="1" dirty="0">
                 <a:solidFill>
                   <a:srgbClr val="660033"/>
                 </a:solidFill>
                 <a:latin typeface="微軟正黑體" pitchFamily="34" charset="-120"/>
                 <a:ea typeface="微軟正黑體" pitchFamily="34" charset="-120"/>
               </a:rPr>
-              <a:t>以愛擁抱城市</a:t>
-            </a:r>
-            <a:endParaRPr lang="en-US" altLang="zh-TW" sz="5400" b="1" dirty="0" smtClean="0">
+              <a:t>在你凡事都能</a:t>
+            </a:r>
+            <a:endParaRPr lang="en-US" altLang="zh-TW" sz="4800" b="1" dirty="0">
               <a:solidFill>
                 <a:srgbClr val="660033"/>
               </a:solidFill>
@@ -3510,144 +3584,7 @@
               <a:buNone/>
             </a:pPr>
             <a:r>
-              <a:rPr lang="zh-TW" altLang="en-US" sz="5400" b="1" dirty="0" smtClean="0">
-                <a:solidFill>
-                  <a:srgbClr val="660033"/>
-                </a:solidFill>
-                <a:latin typeface="微軟正黑體" pitchFamily="34" charset="-120"/>
-                <a:ea typeface="微軟正黑體" pitchFamily="34" charset="-120"/>
-              </a:rPr>
-              <a:t>建立合一教會</a:t>
-            </a:r>
-          </a:p>
-        </p:txBody>
-      </p:sp>
-    </p:spTree>
-  </p:cSld>
-  <p:clrMapOvr>
-    <a:masterClrMapping/>
-  </p:clrMapOvr>
-</p:sld>
-</file>
-
-<file path=ppt/slides/slide4.xml><?xml version="1.0" encoding="utf-8"?>
-<p:sld xmlns:a="http://schemas.openxmlformats.org/drawingml/2006/main" xmlns:r="http://schemas.openxmlformats.org/officeDocument/2006/relationships" xmlns:p="http://schemas.openxmlformats.org/presentationml/2006/main">
-  <p:cSld>
-    <p:spTree>
-      <p:nvGrpSpPr>
-        <p:cNvPr id="1" name=""/>
-        <p:cNvGrpSpPr/>
-        <p:nvPr/>
-      </p:nvGrpSpPr>
-      <p:grpSpPr>
-        <a:xfrm>
-          <a:off x="0" y="0"/>
-          <a:ext cx="0" cy="0"/>
-          <a:chOff x="0" y="0"/>
-          <a:chExt cx="0" cy="0"/>
-        </a:xfrm>
-      </p:grpSpPr>
-      <p:sp>
-        <p:nvSpPr>
-          <p:cNvPr id="4" name="標題 3"/>
-          <p:cNvSpPr>
-            <a:spLocks noGrp="1"/>
-          </p:cNvSpPr>
-          <p:nvPr>
-            <p:ph type="title"/>
-          </p:nvPr>
-        </p:nvSpPr>
-        <p:spPr/>
-        <p:txBody>
-          <a:bodyPr/>
-          <a:lstStyle/>
-          <a:p>
-            <a:r>
-              <a:rPr lang="zh-CN" altLang="en-US" b="1" dirty="0" smtClean="0">
-                <a:solidFill>
-                  <a:srgbClr val="660033"/>
-                </a:solidFill>
-                <a:latin typeface="微軟正黑體" pitchFamily="34" charset="-120"/>
-                <a:ea typeface="微軟正黑體" pitchFamily="34" charset="-120"/>
-              </a:rPr>
-              <a:t>揀選</a:t>
-            </a:r>
-            <a:endParaRPr lang="zh-TW" altLang="en-US" b="1" dirty="0">
-              <a:solidFill>
-                <a:srgbClr val="660033"/>
-              </a:solidFill>
-              <a:latin typeface="微軟正黑體" pitchFamily="34" charset="-120"/>
-              <a:ea typeface="微軟正黑體" pitchFamily="34" charset="-120"/>
-            </a:endParaRPr>
-          </a:p>
-        </p:txBody>
-      </p:sp>
-      <p:sp>
-        <p:nvSpPr>
-          <p:cNvPr id="5" name="內容版面配置區 4"/>
-          <p:cNvSpPr>
-            <a:spLocks noGrp="1"/>
-          </p:cNvSpPr>
-          <p:nvPr>
-            <p:ph idx="1"/>
-          </p:nvPr>
-        </p:nvSpPr>
-        <p:spPr/>
-        <p:txBody>
-          <a:bodyPr>
-            <a:normAutofit/>
-          </a:bodyPr>
-          <a:lstStyle/>
-          <a:p>
-            <a:pPr algn="ctr">
-              <a:buNone/>
-            </a:pPr>
-            <a:r>
-              <a:rPr lang="zh-TW" altLang="en-US" sz="5400" b="1" dirty="0" smtClean="0">
-                <a:solidFill>
-                  <a:srgbClr val="660033"/>
-                </a:solidFill>
-                <a:latin typeface="微軟正黑體" pitchFamily="34" charset="-120"/>
-                <a:ea typeface="微軟正黑體" pitchFamily="34" charset="-120"/>
-              </a:rPr>
-              <a:t>賜我信心宣告</a:t>
-            </a:r>
-            <a:endParaRPr lang="en-US" altLang="zh-TW" sz="5400" b="1" dirty="0" smtClean="0">
-              <a:solidFill>
-                <a:srgbClr val="660033"/>
-              </a:solidFill>
-              <a:latin typeface="微軟正黑體" pitchFamily="34" charset="-120"/>
-              <a:ea typeface="微軟正黑體" pitchFamily="34" charset="-120"/>
-            </a:endParaRPr>
-          </a:p>
-          <a:p>
-            <a:pPr algn="ctr">
-              <a:buNone/>
-            </a:pPr>
-            <a:r>
-              <a:rPr lang="zh-TW" altLang="en-US" sz="5400" b="1" dirty="0" smtClean="0">
-                <a:solidFill>
-                  <a:srgbClr val="660033"/>
-                </a:solidFill>
-                <a:latin typeface="微軟正黑體" pitchFamily="34" charset="-120"/>
-                <a:ea typeface="微軟正黑體" pitchFamily="34" charset="-120"/>
-              </a:rPr>
-              <a:t>在你凡事都能</a:t>
-            </a:r>
-            <a:endParaRPr lang="en-US" altLang="zh-TW" sz="5400" b="1" dirty="0" smtClean="0">
-              <a:solidFill>
-                <a:srgbClr val="660033"/>
-              </a:solidFill>
-              <a:latin typeface="微軟正黑體" pitchFamily="34" charset="-120"/>
-              <a:ea typeface="微軟正黑體" pitchFamily="34" charset="-120"/>
-            </a:endParaRPr>
-          </a:p>
-          <a:p>
-            <a:pPr algn="ctr">
-              <a:buNone/>
-            </a:pPr>
-            <a:r>
-              <a:rPr lang="zh-TW" altLang="en-US" sz="5400" b="1" dirty="0" smtClean="0">
+              <a:rPr lang="zh-TW" altLang="en-US" sz="4800" b="1" dirty="0">
                 <a:solidFill>
                   <a:srgbClr val="660033"/>
                 </a:solidFill>

--- a/揀選(崇拜版).pptx
+++ b/揀選(崇拜版).pptx
@@ -106,6 +106,22 @@
       </a:defRPr>
     </a:lvl9pPr>
   </p:defaultTextStyle>
+  <p:extLst>
+    <p:ext uri="{EFAFB233-063F-42B5-8137-9DF3F51BA10A}">
+      <p15:sldGuideLst xmlns:p15="http://schemas.microsoft.com/office/powerpoint/2012/main">
+        <p15:guide id="1" orient="horz" pos="1620">
+          <p15:clr>
+            <a:srgbClr val="A4A3A4"/>
+          </p15:clr>
+        </p15:guide>
+        <p15:guide id="2" pos="2880">
+          <p15:clr>
+            <a:srgbClr val="A4A3A4"/>
+          </p15:clr>
+        </p15:guide>
+      </p15:sldGuideLst>
+    </p:ext>
+  </p:extLst>
 </p:presentation>
 </file>
 
@@ -290,7 +306,7 @@
           <a:p>
             <a:fld id="{99ACEE97-997B-4A4F-AF3D-6B6CD75D4604}" type="datetimeFigureOut">
               <a:rPr lang="zh-TW" altLang="en-US" smtClean="0"/>
-              <a:t>2019/8/9</a:t>
+              <a:t>2020/5/30</a:t>
             </a:fld>
             <a:endParaRPr lang="zh-TW" altLang="en-US"/>
           </a:p>
@@ -455,7 +471,7 @@
           <a:p>
             <a:fld id="{99ACEE97-997B-4A4F-AF3D-6B6CD75D4604}" type="datetimeFigureOut">
               <a:rPr lang="zh-TW" altLang="en-US" smtClean="0"/>
-              <a:t>2019/8/9</a:t>
+              <a:t>2020/5/30</a:t>
             </a:fld>
             <a:endParaRPr lang="zh-TW" altLang="en-US"/>
           </a:p>
@@ -630,7 +646,7 @@
           <a:p>
             <a:fld id="{99ACEE97-997B-4A4F-AF3D-6B6CD75D4604}" type="datetimeFigureOut">
               <a:rPr lang="zh-TW" altLang="en-US" smtClean="0"/>
-              <a:t>2019/8/9</a:t>
+              <a:t>2020/5/30</a:t>
             </a:fld>
             <a:endParaRPr lang="zh-TW" altLang="en-US"/>
           </a:p>
@@ -795,7 +811,7 @@
           <a:p>
             <a:fld id="{99ACEE97-997B-4A4F-AF3D-6B6CD75D4604}" type="datetimeFigureOut">
               <a:rPr lang="zh-TW" altLang="en-US" smtClean="0"/>
-              <a:t>2019/8/9</a:t>
+              <a:t>2020/5/30</a:t>
             </a:fld>
             <a:endParaRPr lang="zh-TW" altLang="en-US"/>
           </a:p>
@@ -1036,7 +1052,7 @@
           <a:p>
             <a:fld id="{99ACEE97-997B-4A4F-AF3D-6B6CD75D4604}" type="datetimeFigureOut">
               <a:rPr lang="zh-TW" altLang="en-US" smtClean="0"/>
-              <a:t>2019/8/9</a:t>
+              <a:t>2020/5/30</a:t>
             </a:fld>
             <a:endParaRPr lang="zh-TW" altLang="en-US"/>
           </a:p>
@@ -1319,7 +1335,7 @@
           <a:p>
             <a:fld id="{99ACEE97-997B-4A4F-AF3D-6B6CD75D4604}" type="datetimeFigureOut">
               <a:rPr lang="zh-TW" altLang="en-US" smtClean="0"/>
-              <a:t>2019/8/9</a:t>
+              <a:t>2020/5/30</a:t>
             </a:fld>
             <a:endParaRPr lang="zh-TW" altLang="en-US"/>
           </a:p>
@@ -1736,7 +1752,7 @@
           <a:p>
             <a:fld id="{99ACEE97-997B-4A4F-AF3D-6B6CD75D4604}" type="datetimeFigureOut">
               <a:rPr lang="zh-TW" altLang="en-US" smtClean="0"/>
-              <a:t>2019/8/9</a:t>
+              <a:t>2020/5/30</a:t>
             </a:fld>
             <a:endParaRPr lang="zh-TW" altLang="en-US"/>
           </a:p>
@@ -1849,7 +1865,7 @@
           <a:p>
             <a:fld id="{99ACEE97-997B-4A4F-AF3D-6B6CD75D4604}" type="datetimeFigureOut">
               <a:rPr lang="zh-TW" altLang="en-US" smtClean="0"/>
-              <a:t>2019/8/9</a:t>
+              <a:t>2020/5/30</a:t>
             </a:fld>
             <a:endParaRPr lang="zh-TW" altLang="en-US"/>
           </a:p>
@@ -1939,7 +1955,7 @@
           <a:p>
             <a:fld id="{99ACEE97-997B-4A4F-AF3D-6B6CD75D4604}" type="datetimeFigureOut">
               <a:rPr lang="zh-TW" altLang="en-US" smtClean="0"/>
-              <a:t>2019/8/9</a:t>
+              <a:t>2020/5/30</a:t>
             </a:fld>
             <a:endParaRPr lang="zh-TW" altLang="en-US"/>
           </a:p>
@@ -2211,7 +2227,7 @@
           <a:p>
             <a:fld id="{99ACEE97-997B-4A4F-AF3D-6B6CD75D4604}" type="datetimeFigureOut">
               <a:rPr lang="zh-TW" altLang="en-US" smtClean="0"/>
-              <a:t>2019/8/9</a:t>
+              <a:t>2020/5/30</a:t>
             </a:fld>
             <a:endParaRPr lang="zh-TW" altLang="en-US"/>
           </a:p>
@@ -2463,7 +2479,7 @@
           <a:p>
             <a:fld id="{99ACEE97-997B-4A4F-AF3D-6B6CD75D4604}" type="datetimeFigureOut">
               <a:rPr lang="zh-TW" altLang="en-US" smtClean="0"/>
-              <a:t>2019/8/9</a:t>
+              <a:t>2020/5/30</a:t>
             </a:fld>
             <a:endParaRPr lang="zh-TW" altLang="en-US"/>
           </a:p>
@@ -2676,7 +2692,7 @@
           <a:p>
             <a:fld id="{99ACEE97-997B-4A4F-AF3D-6B6CD75D4604}" type="datetimeFigureOut">
               <a:rPr lang="zh-TW" altLang="en-US" smtClean="0"/>
-              <a:t>2019/8/9</a:t>
+              <a:t>2020/5/30</a:t>
             </a:fld>
             <a:endParaRPr lang="zh-TW" altLang="en-US"/>
           </a:p>
@@ -3109,14 +3125,14 @@
               <a:buNone/>
             </a:pPr>
             <a:r>
-              <a:rPr lang="zh-TW" altLang="en-US" sz="4800" b="1" dirty="0" smtClean="0">
+              <a:rPr lang="zh-CN" altLang="en-US" sz="4800" b="1" dirty="0">
                 <a:solidFill>
                   <a:srgbClr val="660033"/>
                 </a:solidFill>
                 <a:latin typeface="微軟正黑體" pitchFamily="34" charset="-120"/>
                 <a:ea typeface="微軟正黑體" pitchFamily="34" charset="-120"/>
               </a:rPr>
-              <a:t>你十字架的大</a:t>
+              <a:t>袮</a:t>
             </a:r>
             <a:r>
               <a:rPr lang="zh-TW" altLang="en-US" sz="4800" b="1" dirty="0" smtClean="0">
@@ -3126,7 +3142,17 @@
                 <a:latin typeface="微軟正黑體" pitchFamily="34" charset="-120"/>
                 <a:ea typeface="微軟正黑體" pitchFamily="34" charset="-120"/>
               </a:rPr>
-              <a:t>能</a:t>
+              <a:t>十</a:t>
+            </a:r>
+            <a:r>
+              <a:rPr lang="zh-TW" altLang="en-US" sz="4800" b="1" dirty="0" smtClean="0">
+                <a:solidFill>
+                  <a:srgbClr val="660033"/>
+                </a:solidFill>
+                <a:latin typeface="微軟正黑體" pitchFamily="34" charset="-120"/>
+                <a:ea typeface="微軟正黑體" pitchFamily="34" charset="-120"/>
+              </a:rPr>
+              <a:t>字架的大能</a:t>
             </a:r>
             <a:endParaRPr lang="en-US" altLang="zh-TW" sz="4800" b="1" dirty="0" smtClean="0">
               <a:solidFill>
@@ -3163,14 +3189,14 @@
               <a:buNone/>
             </a:pPr>
             <a:r>
-              <a:rPr lang="zh-TW" altLang="en-US" sz="4800" b="1" dirty="0" smtClean="0">
+              <a:rPr lang="zh-CN" altLang="en-US" sz="4800" b="1" dirty="0">
                 <a:solidFill>
                   <a:srgbClr val="660033"/>
                 </a:solidFill>
                 <a:latin typeface="微軟正黑體" pitchFamily="34" charset="-120"/>
                 <a:ea typeface="微軟正黑體" pitchFamily="34" charset="-120"/>
               </a:rPr>
-              <a:t>你</a:t>
+              <a:t>袮</a:t>
             </a:r>
             <a:r>
               <a:rPr lang="zh-TW" altLang="en-US" sz="4800" b="1" dirty="0" smtClean="0">
@@ -3180,7 +3206,7 @@
                 <a:latin typeface="微軟正黑體" pitchFamily="34" charset="-120"/>
                 <a:ea typeface="微軟正黑體" pitchFamily="34" charset="-120"/>
               </a:rPr>
-              <a:t>恩典使我被揀</a:t>
+              <a:t>恩</a:t>
             </a:r>
             <a:r>
               <a:rPr lang="zh-TW" altLang="en-US" sz="4800" b="1" dirty="0" smtClean="0">
@@ -3190,7 +3216,7 @@
                 <a:latin typeface="微軟正黑體" pitchFamily="34" charset="-120"/>
                 <a:ea typeface="微軟正黑體" pitchFamily="34" charset="-120"/>
               </a:rPr>
-              <a:t>選</a:t>
+              <a:t>典使我被揀選</a:t>
             </a:r>
             <a:endParaRPr lang="en-US" altLang="zh-TW" sz="4800" b="1" dirty="0" smtClean="0">
               <a:solidFill>
@@ -3361,7 +3387,37 @@
                 <a:latin typeface="微軟正黑體" pitchFamily="34" charset="-120"/>
                 <a:ea typeface="微軟正黑體" pitchFamily="34" charset="-120"/>
               </a:rPr>
-              <a:t>身做你門</a:t>
+              <a:t>身</a:t>
+            </a:r>
+            <a:r>
+              <a:rPr lang="zh-TW" altLang="en-US" sz="4800" b="1" dirty="0" smtClean="0">
+                <a:solidFill>
+                  <a:srgbClr val="660033"/>
+                </a:solidFill>
+                <a:latin typeface="微軟正黑體" pitchFamily="34" charset="-120"/>
+                <a:ea typeface="微軟正黑體" pitchFamily="34" charset="-120"/>
+              </a:rPr>
+              <a:t>做</a:t>
+            </a:r>
+            <a:r>
+              <a:rPr lang="zh-CN" altLang="en-US" sz="4800" b="1" dirty="0">
+                <a:solidFill>
+                  <a:srgbClr val="660033"/>
+                </a:solidFill>
+                <a:latin typeface="微軟正黑體" pitchFamily="34" charset="-120"/>
+                <a:ea typeface="微軟正黑體" pitchFamily="34" charset="-120"/>
+              </a:rPr>
+              <a:t>袮</a:t>
+            </a:r>
+            <a:r>
+              <a:rPr lang="zh-TW" altLang="en-US" sz="4800" b="1" dirty="0" smtClean="0">
+                <a:solidFill>
+                  <a:srgbClr val="660033"/>
+                </a:solidFill>
+                <a:latin typeface="微軟正黑體" pitchFamily="34" charset="-120"/>
+                <a:ea typeface="微軟正黑體" pitchFamily="34" charset="-120"/>
+              </a:rPr>
+              <a:t>門</a:t>
             </a:r>
             <a:r>
               <a:rPr lang="zh-TW" altLang="en-US" sz="4800" b="1" dirty="0" smtClean="0">
@@ -3393,7 +3449,47 @@
                 <a:latin typeface="微軟正黑體" pitchFamily="34" charset="-120"/>
                 <a:ea typeface="微軟正黑體" pitchFamily="34" charset="-120"/>
               </a:rPr>
-              <a:t>求主差遣我去傳揚你的愛</a:t>
+              <a:t>求主差遣我去傳</a:t>
+            </a:r>
+            <a:r>
+              <a:rPr lang="zh-TW" altLang="en-US" sz="4800" b="1" dirty="0" smtClean="0">
+                <a:solidFill>
+                  <a:srgbClr val="660033"/>
+                </a:solidFill>
+                <a:latin typeface="微軟正黑體" pitchFamily="34" charset="-120"/>
+                <a:ea typeface="微軟正黑體" pitchFamily="34" charset="-120"/>
+              </a:rPr>
+              <a:t>揚</a:t>
+            </a:r>
+            <a:r>
+              <a:rPr lang="zh-CN" altLang="en-US" sz="4800" b="1" dirty="0">
+                <a:solidFill>
+                  <a:srgbClr val="660033"/>
+                </a:solidFill>
+                <a:latin typeface="微軟正黑體" pitchFamily="34" charset="-120"/>
+                <a:ea typeface="微軟正黑體" pitchFamily="34" charset="-120"/>
+              </a:rPr>
+              <a:t>袮</a:t>
+            </a:r>
+            <a:r>
+              <a:rPr lang="zh-TW" altLang="en-US" sz="4800" b="1" dirty="0" smtClean="0">
+                <a:solidFill>
+                  <a:srgbClr val="660033"/>
+                </a:solidFill>
+                <a:latin typeface="微軟正黑體" pitchFamily="34" charset="-120"/>
+                <a:ea typeface="微軟正黑體" pitchFamily="34" charset="-120"/>
+              </a:rPr>
+              <a:t>的</a:t>
+            </a:r>
+            <a:r>
+              <a:rPr lang="zh-TW" altLang="en-US" sz="4800" b="1" dirty="0">
+                <a:solidFill>
+                  <a:srgbClr val="660033"/>
+                </a:solidFill>
+                <a:latin typeface="微軟正黑體" pitchFamily="34" charset="-120"/>
+                <a:ea typeface="微軟正黑體" pitchFamily="34" charset="-120"/>
+              </a:rPr>
+              <a:t>愛</a:t>
             </a:r>
             <a:endParaRPr lang="en-US" altLang="zh-TW" sz="4800" b="1" dirty="0">
               <a:solidFill>
@@ -3562,14 +3658,44 @@
               <a:buNone/>
             </a:pPr>
             <a:r>
-              <a:rPr lang="zh-TW" altLang="en-US" sz="4800" b="1" dirty="0">
+              <a:rPr lang="zh-TW" altLang="en-US" sz="4800" b="1" dirty="0" smtClean="0">
                 <a:solidFill>
                   <a:srgbClr val="660033"/>
                 </a:solidFill>
                 <a:latin typeface="微軟正黑體" pitchFamily="34" charset="-120"/>
                 <a:ea typeface="微軟正黑體" pitchFamily="34" charset="-120"/>
               </a:rPr>
-              <a:t>在你凡事都能</a:t>
+              <a:t>在</a:t>
+            </a:r>
+            <a:r>
+              <a:rPr lang="zh-CN" altLang="en-US" sz="4800" b="1" dirty="0">
+                <a:solidFill>
+                  <a:srgbClr val="660033"/>
+                </a:solidFill>
+                <a:latin typeface="微軟正黑體" pitchFamily="34" charset="-120"/>
+                <a:ea typeface="微軟正黑體" pitchFamily="34" charset="-120"/>
+              </a:rPr>
+              <a:t>袮</a:t>
+            </a:r>
+            <a:r>
+              <a:rPr lang="zh-TW" altLang="en-US" sz="4800" b="1" dirty="0" smtClean="0">
+                <a:solidFill>
+                  <a:srgbClr val="660033"/>
+                </a:solidFill>
+                <a:latin typeface="微軟正黑體" pitchFamily="34" charset="-120"/>
+                <a:ea typeface="微軟正黑體" pitchFamily="34" charset="-120"/>
+              </a:rPr>
+              <a:t>凡</a:t>
+            </a:r>
+            <a:r>
+              <a:rPr lang="zh-TW" altLang="en-US" sz="4800" b="1" dirty="0">
+                <a:solidFill>
+                  <a:srgbClr val="660033"/>
+                </a:solidFill>
+                <a:latin typeface="微軟正黑體" pitchFamily="34" charset="-120"/>
+                <a:ea typeface="微軟正黑體" pitchFamily="34" charset="-120"/>
+              </a:rPr>
+              <a:t>事都能</a:t>
             </a:r>
             <a:endParaRPr lang="en-US" altLang="zh-TW" sz="4800" b="1" dirty="0">
               <a:solidFill>
@@ -3591,7 +3717,47 @@
                 <a:latin typeface="微軟正黑體" pitchFamily="34" charset="-120"/>
                 <a:ea typeface="微軟正黑體" pitchFamily="34" charset="-120"/>
               </a:rPr>
-              <a:t>喔主  在你凡事都能</a:t>
+              <a:t>喔主  </a:t>
+            </a:r>
+            <a:r>
+              <a:rPr lang="zh-TW" altLang="en-US" sz="4800" b="1" dirty="0" smtClean="0">
+                <a:solidFill>
+                  <a:srgbClr val="660033"/>
+                </a:solidFill>
+                <a:latin typeface="微軟正黑體" pitchFamily="34" charset="-120"/>
+                <a:ea typeface="微軟正黑體" pitchFamily="34" charset="-120"/>
+              </a:rPr>
+              <a:t>在</a:t>
+            </a:r>
+            <a:r>
+              <a:rPr lang="zh-CN" altLang="en-US" sz="4800" b="1" dirty="0">
+                <a:solidFill>
+                  <a:srgbClr val="660033"/>
+                </a:solidFill>
+                <a:latin typeface="微軟正黑體" pitchFamily="34" charset="-120"/>
+                <a:ea typeface="微軟正黑體" pitchFamily="34" charset="-120"/>
+              </a:rPr>
+              <a:t>袮</a:t>
+            </a:r>
+            <a:r>
+              <a:rPr lang="zh-TW" altLang="en-US" sz="4800" b="1" dirty="0" smtClean="0">
+                <a:solidFill>
+                  <a:srgbClr val="660033"/>
+                </a:solidFill>
+                <a:latin typeface="微軟正黑體" pitchFamily="34" charset="-120"/>
+                <a:ea typeface="微軟正黑體" pitchFamily="34" charset="-120"/>
+              </a:rPr>
+              <a:t>凡</a:t>
+            </a:r>
+            <a:r>
+              <a:rPr lang="zh-TW" altLang="en-US" sz="4800" b="1" dirty="0">
+                <a:solidFill>
+                  <a:srgbClr val="660033"/>
+                </a:solidFill>
+                <a:latin typeface="微軟正黑體" pitchFamily="34" charset="-120"/>
+                <a:ea typeface="微軟正黑體" pitchFamily="34" charset="-120"/>
+              </a:rPr>
+              <a:t>事都能</a:t>
             </a:r>
           </a:p>
         </p:txBody>

--- a/揀選(崇拜版).pptx
+++ b/揀選(崇拜版).pptx
@@ -5,9 +5,12 @@
     <p:sldMasterId id="2147483660" r:id="rId1"/>
   </p:sldMasterIdLst>
   <p:sldIdLst>
-    <p:sldId id="256" r:id="rId2"/>
-    <p:sldId id="257" r:id="rId3"/>
-    <p:sldId id="259" r:id="rId4"/>
+    <p:sldId id="260" r:id="rId2"/>
+    <p:sldId id="261" r:id="rId3"/>
+    <p:sldId id="262" r:id="rId4"/>
+    <p:sldId id="263" r:id="rId5"/>
+    <p:sldId id="264" r:id="rId6"/>
+    <p:sldId id="265" r:id="rId7"/>
   </p:sldIdLst>
   <p:sldSz cx="9144000" cy="5143500" type="screen16x9"/>
   <p:notesSz cx="6858000" cy="9144000"/>
@@ -306,7 +309,7 @@
           <a:p>
             <a:fld id="{99ACEE97-997B-4A4F-AF3D-6B6CD75D4604}" type="datetimeFigureOut">
               <a:rPr lang="zh-TW" altLang="en-US" smtClean="0"/>
-              <a:t>2020/5/30</a:t>
+              <a:t>2021/11/6</a:t>
             </a:fld>
             <a:endParaRPr lang="zh-TW" altLang="en-US"/>
           </a:p>
@@ -471,7 +474,7 @@
           <a:p>
             <a:fld id="{99ACEE97-997B-4A4F-AF3D-6B6CD75D4604}" type="datetimeFigureOut">
               <a:rPr lang="zh-TW" altLang="en-US" smtClean="0"/>
-              <a:t>2020/5/30</a:t>
+              <a:t>2021/11/6</a:t>
             </a:fld>
             <a:endParaRPr lang="zh-TW" altLang="en-US"/>
           </a:p>
@@ -646,7 +649,7 @@
           <a:p>
             <a:fld id="{99ACEE97-997B-4A4F-AF3D-6B6CD75D4604}" type="datetimeFigureOut">
               <a:rPr lang="zh-TW" altLang="en-US" smtClean="0"/>
-              <a:t>2020/5/30</a:t>
+              <a:t>2021/11/6</a:t>
             </a:fld>
             <a:endParaRPr lang="zh-TW" altLang="en-US"/>
           </a:p>
@@ -811,7 +814,7 @@
           <a:p>
             <a:fld id="{99ACEE97-997B-4A4F-AF3D-6B6CD75D4604}" type="datetimeFigureOut">
               <a:rPr lang="zh-TW" altLang="en-US" smtClean="0"/>
-              <a:t>2020/5/30</a:t>
+              <a:t>2021/11/6</a:t>
             </a:fld>
             <a:endParaRPr lang="zh-TW" altLang="en-US"/>
           </a:p>
@@ -1052,7 +1055,7 @@
           <a:p>
             <a:fld id="{99ACEE97-997B-4A4F-AF3D-6B6CD75D4604}" type="datetimeFigureOut">
               <a:rPr lang="zh-TW" altLang="en-US" smtClean="0"/>
-              <a:t>2020/5/30</a:t>
+              <a:t>2021/11/6</a:t>
             </a:fld>
             <a:endParaRPr lang="zh-TW" altLang="en-US"/>
           </a:p>
@@ -1335,7 +1338,7 @@
           <a:p>
             <a:fld id="{99ACEE97-997B-4A4F-AF3D-6B6CD75D4604}" type="datetimeFigureOut">
               <a:rPr lang="zh-TW" altLang="en-US" smtClean="0"/>
-              <a:t>2020/5/30</a:t>
+              <a:t>2021/11/6</a:t>
             </a:fld>
             <a:endParaRPr lang="zh-TW" altLang="en-US"/>
           </a:p>
@@ -1752,7 +1755,7 @@
           <a:p>
             <a:fld id="{99ACEE97-997B-4A4F-AF3D-6B6CD75D4604}" type="datetimeFigureOut">
               <a:rPr lang="zh-TW" altLang="en-US" smtClean="0"/>
-              <a:t>2020/5/30</a:t>
+              <a:t>2021/11/6</a:t>
             </a:fld>
             <a:endParaRPr lang="zh-TW" altLang="en-US"/>
           </a:p>
@@ -1865,7 +1868,7 @@
           <a:p>
             <a:fld id="{99ACEE97-997B-4A4F-AF3D-6B6CD75D4604}" type="datetimeFigureOut">
               <a:rPr lang="zh-TW" altLang="en-US" smtClean="0"/>
-              <a:t>2020/5/30</a:t>
+              <a:t>2021/11/6</a:t>
             </a:fld>
             <a:endParaRPr lang="zh-TW" altLang="en-US"/>
           </a:p>
@@ -1955,7 +1958,7 @@
           <a:p>
             <a:fld id="{99ACEE97-997B-4A4F-AF3D-6B6CD75D4604}" type="datetimeFigureOut">
               <a:rPr lang="zh-TW" altLang="en-US" smtClean="0"/>
-              <a:t>2020/5/30</a:t>
+              <a:t>2021/11/6</a:t>
             </a:fld>
             <a:endParaRPr lang="zh-TW" altLang="en-US"/>
           </a:p>
@@ -2227,7 +2230,7 @@
           <a:p>
             <a:fld id="{99ACEE97-997B-4A4F-AF3D-6B6CD75D4604}" type="datetimeFigureOut">
               <a:rPr lang="zh-TW" altLang="en-US" smtClean="0"/>
-              <a:t>2020/5/30</a:t>
+              <a:t>2021/11/6</a:t>
             </a:fld>
             <a:endParaRPr lang="zh-TW" altLang="en-US"/>
           </a:p>
@@ -2479,7 +2482,7 @@
           <a:p>
             <a:fld id="{99ACEE97-997B-4A4F-AF3D-6B6CD75D4604}" type="datetimeFigureOut">
               <a:rPr lang="zh-TW" altLang="en-US" smtClean="0"/>
-              <a:t>2020/5/30</a:t>
+              <a:t>2021/11/6</a:t>
             </a:fld>
             <a:endParaRPr lang="zh-TW" altLang="en-US"/>
           </a:p>
@@ -2692,7 +2695,7 @@
           <a:p>
             <a:fld id="{99ACEE97-997B-4A4F-AF3D-6B6CD75D4604}" type="datetimeFigureOut">
               <a:rPr lang="zh-TW" altLang="en-US" smtClean="0"/>
-              <a:t>2020/5/30</a:t>
+              <a:t>2021/11/6</a:t>
             </a:fld>
             <a:endParaRPr lang="zh-TW" altLang="en-US"/>
           </a:p>
@@ -3072,185 +3075,75 @@
             <p:ph type="title"/>
           </p:nvPr>
         </p:nvSpPr>
-        <p:spPr/>
+        <p:spPr>
+          <a:xfrm>
+            <a:off x="0" y="1995686"/>
+            <a:ext cx="9144000" cy="857250"/>
+          </a:xfrm>
+        </p:spPr>
         <p:txBody>
           <a:bodyPr>
-            <a:normAutofit/>
+            <a:noAutofit/>
           </a:bodyPr>
           <a:lstStyle/>
           <a:p>
             <a:r>
-              <a:rPr lang="zh-CN" altLang="en-US" sz="4000" b="1" dirty="0" smtClean="0">
-                <a:solidFill>
-                  <a:srgbClr val="660033"/>
-                </a:solidFill>
+              <a:rPr lang="zh-CN" altLang="en-US" sz="5400" b="1" i="1" dirty="0" smtClean="0">
+                <a:solidFill>
+                  <a:srgbClr val="000066"/>
+                </a:solidFill>
+                <a:effectLst>
+                  <a:outerShdw blurRad="38100" dist="38100" dir="2700000" algn="tl">
+                    <a:srgbClr val="000000">
+                      <a:alpha val="43137"/>
+                    </a:srgbClr>
+                  </a:outerShdw>
+                </a:effectLst>
                 <a:latin typeface="微軟正黑體" pitchFamily="34" charset="-120"/>
                 <a:ea typeface="微軟正黑體" pitchFamily="34" charset="-120"/>
               </a:rPr>
-              <a:t>揀選</a:t>
-            </a:r>
-            <a:endParaRPr lang="zh-TW" altLang="en-US" sz="4000" b="1" dirty="0">
+              <a:t>揀</a:t>
+            </a:r>
+            <a:r>
+              <a:rPr lang="zh-CN" altLang="en-US" sz="5400" b="1" i="1" dirty="0">
+                <a:solidFill>
+                  <a:srgbClr val="000066"/>
+                </a:solidFill>
+                <a:effectLst>
+                  <a:outerShdw blurRad="38100" dist="38100" dir="2700000" algn="tl">
+                    <a:srgbClr val="000000">
+                      <a:alpha val="43137"/>
+                    </a:srgbClr>
+                  </a:outerShdw>
+                </a:effectLst>
+                <a:latin typeface="微軟正黑體" pitchFamily="34" charset="-120"/>
+                <a:ea typeface="微軟正黑體" pitchFamily="34" charset="-120"/>
+              </a:rPr>
+              <a:t>選</a:t>
+            </a:r>
+            <a:endParaRPr lang="zh-TW" altLang="en-US" sz="5400" b="1" i="1" dirty="0">
               <a:solidFill>
-                <a:srgbClr val="660033"/>
+                <a:srgbClr val="000066"/>
               </a:solidFill>
+              <a:effectLst>
+                <a:outerShdw blurRad="38100" dist="38100" dir="2700000" algn="tl">
+                  <a:srgbClr val="000000">
+                    <a:alpha val="43137"/>
+                  </a:srgbClr>
+                </a:outerShdw>
+              </a:effectLst>
               <a:latin typeface="微軟正黑體" pitchFamily="34" charset="-120"/>
               <a:ea typeface="微軟正黑體" pitchFamily="34" charset="-120"/>
             </a:endParaRPr>
           </a:p>
         </p:txBody>
       </p:sp>
-      <p:sp>
-        <p:nvSpPr>
-          <p:cNvPr id="5" name="內容版面配置區 4"/>
-          <p:cNvSpPr>
-            <a:spLocks noGrp="1"/>
-          </p:cNvSpPr>
-          <p:nvPr>
-            <p:ph idx="1"/>
-          </p:nvPr>
-        </p:nvSpPr>
-        <p:spPr>
-          <a:xfrm>
-            <a:off x="0" y="1200151"/>
-            <a:ext cx="9144000" cy="3394472"/>
-          </a:xfrm>
-        </p:spPr>
-        <p:txBody>
-          <a:bodyPr>
-            <a:noAutofit/>
-          </a:bodyPr>
-          <a:lstStyle/>
-          <a:p>
-            <a:pPr algn="ctr">
-              <a:buNone/>
-            </a:pPr>
-            <a:r>
-              <a:rPr lang="zh-CN" altLang="en-US" sz="4800" b="1" dirty="0">
-                <a:solidFill>
-                  <a:srgbClr val="660033"/>
-                </a:solidFill>
-                <a:latin typeface="微軟正黑體" pitchFamily="34" charset="-120"/>
-                <a:ea typeface="微軟正黑體" pitchFamily="34" charset="-120"/>
-              </a:rPr>
-              <a:t>袮</a:t>
-            </a:r>
-            <a:r>
-              <a:rPr lang="zh-TW" altLang="en-US" sz="4800" b="1" dirty="0" smtClean="0">
-                <a:solidFill>
-                  <a:srgbClr val="660033"/>
-                </a:solidFill>
-                <a:latin typeface="微軟正黑體" pitchFamily="34" charset="-120"/>
-                <a:ea typeface="微軟正黑體" pitchFamily="34" charset="-120"/>
-              </a:rPr>
-              <a:t>十</a:t>
-            </a:r>
-            <a:r>
-              <a:rPr lang="zh-TW" altLang="en-US" sz="4800" b="1" dirty="0" smtClean="0">
-                <a:solidFill>
-                  <a:srgbClr val="660033"/>
-                </a:solidFill>
-                <a:latin typeface="微軟正黑體" pitchFamily="34" charset="-120"/>
-                <a:ea typeface="微軟正黑體" pitchFamily="34" charset="-120"/>
-              </a:rPr>
-              <a:t>字架的大能</a:t>
-            </a:r>
-            <a:endParaRPr lang="en-US" altLang="zh-TW" sz="4800" b="1" dirty="0" smtClean="0">
-              <a:solidFill>
-                <a:srgbClr val="660033"/>
-              </a:solidFill>
-              <a:latin typeface="微軟正黑體" pitchFamily="34" charset="-120"/>
-              <a:ea typeface="微軟正黑體" pitchFamily="34" charset="-120"/>
-            </a:endParaRPr>
-          </a:p>
-          <a:p>
-            <a:pPr algn="ctr">
-              <a:buNone/>
-            </a:pPr>
-            <a:r>
-              <a:rPr lang="zh-TW" altLang="en-US" sz="4800" b="1" dirty="0" smtClean="0">
-                <a:solidFill>
-                  <a:srgbClr val="660033"/>
-                </a:solidFill>
-                <a:latin typeface="微軟正黑體" pitchFamily="34" charset="-120"/>
-                <a:ea typeface="微軟正黑體" pitchFamily="34" charset="-120"/>
-              </a:rPr>
-              <a:t>重價贖回我靈魂</a:t>
-            </a:r>
-            <a:endParaRPr lang="en-US" altLang="zh-TW" sz="4800" b="1" dirty="0" smtClean="0">
-              <a:solidFill>
-                <a:srgbClr val="660033"/>
-              </a:solidFill>
-              <a:latin typeface="微軟正黑體" pitchFamily="34" charset="-120"/>
-              <a:ea typeface="微軟正黑體" pitchFamily="34" charset="-120"/>
-            </a:endParaRPr>
-          </a:p>
-          <a:p>
-            <a:pPr algn="ctr">
-              <a:buNone/>
-            </a:pPr>
-            <a:r>
-              <a:rPr lang="zh-CN" altLang="en-US" sz="4800" b="1" dirty="0">
-                <a:solidFill>
-                  <a:srgbClr val="660033"/>
-                </a:solidFill>
-                <a:latin typeface="微軟正黑體" pitchFamily="34" charset="-120"/>
-                <a:ea typeface="微軟正黑體" pitchFamily="34" charset="-120"/>
-              </a:rPr>
-              <a:t>袮</a:t>
-            </a:r>
-            <a:r>
-              <a:rPr lang="zh-TW" altLang="en-US" sz="4800" b="1" dirty="0" smtClean="0">
-                <a:solidFill>
-                  <a:srgbClr val="660033"/>
-                </a:solidFill>
-                <a:latin typeface="微軟正黑體" pitchFamily="34" charset="-120"/>
-                <a:ea typeface="微軟正黑體" pitchFamily="34" charset="-120"/>
-              </a:rPr>
-              <a:t>恩</a:t>
-            </a:r>
-            <a:r>
-              <a:rPr lang="zh-TW" altLang="en-US" sz="4800" b="1" dirty="0" smtClean="0">
-                <a:solidFill>
-                  <a:srgbClr val="660033"/>
-                </a:solidFill>
-                <a:latin typeface="微軟正黑體" pitchFamily="34" charset="-120"/>
-                <a:ea typeface="微軟正黑體" pitchFamily="34" charset="-120"/>
-              </a:rPr>
-              <a:t>典使我被揀選</a:t>
-            </a:r>
-            <a:endParaRPr lang="en-US" altLang="zh-TW" sz="4800" b="1" dirty="0" smtClean="0">
-              <a:solidFill>
-                <a:srgbClr val="660033"/>
-              </a:solidFill>
-              <a:latin typeface="微軟正黑體" pitchFamily="34" charset="-120"/>
-              <a:ea typeface="微軟正黑體" pitchFamily="34" charset="-120"/>
-            </a:endParaRPr>
-          </a:p>
-          <a:p>
-            <a:pPr algn="ctr">
-              <a:buNone/>
-            </a:pPr>
-            <a:r>
-              <a:rPr lang="zh-TW" altLang="en-US" sz="4800" b="1" dirty="0" smtClean="0">
-                <a:solidFill>
-                  <a:srgbClr val="660033"/>
-                </a:solidFill>
-                <a:latin typeface="微軟正黑體" pitchFamily="34" charset="-120"/>
-                <a:ea typeface="微軟正黑體" pitchFamily="34" charset="-120"/>
-              </a:rPr>
-              <a:t>叫我生命果子常存</a:t>
-            </a:r>
-            <a:endParaRPr lang="zh-TW" altLang="en-US" sz="4800" b="1" dirty="0">
-              <a:solidFill>
-                <a:srgbClr val="660033"/>
-              </a:solidFill>
-              <a:latin typeface="微軟正黑體" pitchFamily="34" charset="-120"/>
-              <a:ea typeface="微軟正黑體" pitchFamily="34" charset="-120"/>
-            </a:endParaRPr>
-          </a:p>
-        </p:txBody>
-      </p:sp>
     </p:spTree>
+    <p:extLst>
+      <p:ext uri="{BB962C8B-B14F-4D97-AF65-F5344CB8AC3E}">
+        <p14:creationId xmlns:p14="http://schemas.microsoft.com/office/powerpoint/2010/main" val="3702698465"/>
+      </p:ext>
+    </p:extLst>
   </p:cSld>
   <p:clrMapOvr>
     <a:masterClrMapping/>
@@ -3277,62 +3170,60 @@
       </p:grpSpPr>
       <p:sp>
         <p:nvSpPr>
-          <p:cNvPr id="4" name="標題 3"/>
-          <p:cNvSpPr>
-            <a:spLocks noGrp="1"/>
-          </p:cNvSpPr>
-          <p:nvPr>
-            <p:ph type="title"/>
-          </p:nvPr>
-        </p:nvSpPr>
-        <p:spPr/>
-        <p:txBody>
-          <a:bodyPr>
+          <p:cNvPr id="5" name="內容版面配置區 4"/>
+          <p:cNvSpPr>
+            <a:spLocks noGrp="1"/>
+          </p:cNvSpPr>
+          <p:nvPr>
+            <p:ph idx="1"/>
+          </p:nvPr>
+        </p:nvSpPr>
+        <p:spPr>
+          <a:xfrm>
+            <a:off x="0" y="1563638"/>
+            <a:ext cx="9144000" cy="1803647"/>
+          </a:xfrm>
+        </p:spPr>
+        <p:txBody>
+          <a:bodyPr anchor="ctr">
             <a:normAutofit/>
           </a:bodyPr>
           <a:lstStyle/>
           <a:p>
-            <a:r>
-              <a:rPr lang="zh-CN" altLang="en-US" sz="4000" b="1" dirty="0">
-                <a:solidFill>
-                  <a:srgbClr val="660033"/>
-                </a:solidFill>
+            <a:pPr algn="ctr">
+              <a:buNone/>
+            </a:pPr>
+            <a:r>
+              <a:rPr lang="zh-CN" altLang="en-US" sz="4800" b="1" dirty="0" smtClean="0">
+                <a:solidFill>
+                  <a:srgbClr val="000066"/>
+                </a:solidFill>
+                <a:effectLst/>
                 <a:latin typeface="微軟正黑體" pitchFamily="34" charset="-120"/>
                 <a:ea typeface="微軟正黑體" pitchFamily="34" charset="-120"/>
               </a:rPr>
-              <a:t>揀選</a:t>
-            </a:r>
-            <a:endParaRPr lang="zh-TW" altLang="en-US" sz="4000" b="1" dirty="0">
+              <a:t>袮</a:t>
+            </a:r>
+            <a:r>
+              <a:rPr lang="zh-TW" altLang="en-US" sz="4800" b="1" dirty="0">
+                <a:solidFill>
+                  <a:srgbClr val="000066"/>
+                </a:solidFill>
+                <a:effectLst/>
+                <a:latin typeface="微軟正黑體" pitchFamily="34" charset="-120"/>
+                <a:ea typeface="微軟正黑體" pitchFamily="34" charset="-120"/>
+              </a:rPr>
+              <a:t>十字架的大能</a:t>
+            </a:r>
+            <a:endParaRPr lang="en-US" altLang="zh-TW" sz="4800" b="1" dirty="0">
               <a:solidFill>
-                <a:srgbClr val="660033"/>
+                <a:srgbClr val="000066"/>
               </a:solidFill>
+              <a:effectLst/>
               <a:latin typeface="微軟正黑體" pitchFamily="34" charset="-120"/>
               <a:ea typeface="微軟正黑體" pitchFamily="34" charset="-120"/>
             </a:endParaRPr>
           </a:p>
-        </p:txBody>
-      </p:sp>
-      <p:sp>
-        <p:nvSpPr>
-          <p:cNvPr id="5" name="內容版面配置區 4"/>
-          <p:cNvSpPr>
-            <a:spLocks noGrp="1"/>
-          </p:cNvSpPr>
-          <p:nvPr>
-            <p:ph idx="1"/>
-          </p:nvPr>
-        </p:nvSpPr>
-        <p:spPr>
-          <a:xfrm>
-            <a:off x="0" y="1200150"/>
-            <a:ext cx="9144000" cy="3943349"/>
-          </a:xfrm>
-        </p:spPr>
-        <p:txBody>
-          <a:bodyPr>
-            <a:normAutofit/>
-          </a:bodyPr>
-          <a:lstStyle/>
           <a:p>
             <a:pPr algn="ctr">
               <a:buNone/>
@@ -3340,220 +3231,108 @@
             <a:r>
               <a:rPr lang="zh-TW" altLang="en-US" sz="4800" b="1" dirty="0">
                 <a:solidFill>
-                  <a:srgbClr val="660033"/>
-                </a:solidFill>
+                  <a:srgbClr val="000066"/>
+                </a:solidFill>
+                <a:effectLst/>
                 <a:latin typeface="微軟正黑體" pitchFamily="34" charset="-120"/>
                 <a:ea typeface="微軟正黑體" pitchFamily="34" charset="-120"/>
               </a:rPr>
-              <a:t>求主用我來贏得更多靈魂</a:t>
+              <a:t>重價贖回我靈魂</a:t>
             </a:r>
             <a:endParaRPr lang="en-US" altLang="zh-TW" sz="4800" b="1" dirty="0">
               <a:solidFill>
-                <a:srgbClr val="660033"/>
+                <a:srgbClr val="000066"/>
               </a:solidFill>
+              <a:effectLst/>
               <a:latin typeface="微軟正黑體" pitchFamily="34" charset="-120"/>
               <a:ea typeface="微軟正黑體" pitchFamily="34" charset="-120"/>
             </a:endParaRPr>
           </a:p>
-          <a:p>
-            <a:pPr algn="ctr">
-              <a:buNone/>
-            </a:pPr>
-            <a:r>
-              <a:rPr lang="zh-TW" altLang="en-US" sz="4800" b="1" dirty="0">
-                <a:solidFill>
-                  <a:srgbClr val="660033"/>
-                </a:solidFill>
-                <a:latin typeface="微軟正黑體" pitchFamily="34" charset="-120"/>
-                <a:ea typeface="微軟正黑體" pitchFamily="34" charset="-120"/>
-              </a:rPr>
-              <a:t>堅固我  潔淨</a:t>
-            </a:r>
-            <a:r>
-              <a:rPr lang="zh-TW" altLang="en-US" sz="4800" b="1" dirty="0" smtClean="0">
-                <a:solidFill>
-                  <a:srgbClr val="660033"/>
-                </a:solidFill>
-                <a:latin typeface="微軟正黑體" pitchFamily="34" charset="-120"/>
-                <a:ea typeface="微軟正黑體" pitchFamily="34" charset="-120"/>
-              </a:rPr>
-              <a:t>我  委</a:t>
-            </a:r>
-            <a:r>
-              <a:rPr lang="zh-TW" altLang="en-US" sz="4800" b="1" dirty="0">
-                <a:solidFill>
-                  <a:srgbClr val="660033"/>
-                </a:solidFill>
-                <a:latin typeface="微軟正黑體" pitchFamily="34" charset="-120"/>
-                <a:ea typeface="微軟正黑體" pitchFamily="34" charset="-120"/>
-              </a:rPr>
-              <a:t>身</a:t>
-            </a:r>
-            <a:r>
-              <a:rPr lang="zh-TW" altLang="en-US" sz="4800" b="1" dirty="0" smtClean="0">
-                <a:solidFill>
-                  <a:srgbClr val="660033"/>
-                </a:solidFill>
-                <a:latin typeface="微軟正黑體" pitchFamily="34" charset="-120"/>
-                <a:ea typeface="微軟正黑體" pitchFamily="34" charset="-120"/>
-              </a:rPr>
-              <a:t>做</a:t>
-            </a:r>
-            <a:r>
-              <a:rPr lang="zh-CN" altLang="en-US" sz="4800" b="1" dirty="0">
-                <a:solidFill>
-                  <a:srgbClr val="660033"/>
-                </a:solidFill>
-                <a:latin typeface="微軟正黑體" pitchFamily="34" charset="-120"/>
-                <a:ea typeface="微軟正黑體" pitchFamily="34" charset="-120"/>
-              </a:rPr>
-              <a:t>袮</a:t>
-            </a:r>
-            <a:r>
-              <a:rPr lang="zh-TW" altLang="en-US" sz="4800" b="1" dirty="0" smtClean="0">
-                <a:solidFill>
-                  <a:srgbClr val="660033"/>
-                </a:solidFill>
-                <a:latin typeface="微軟正黑體" pitchFamily="34" charset="-120"/>
-                <a:ea typeface="微軟正黑體" pitchFamily="34" charset="-120"/>
-              </a:rPr>
-              <a:t>門</a:t>
-            </a:r>
-            <a:r>
-              <a:rPr lang="zh-TW" altLang="en-US" sz="4800" b="1" dirty="0" smtClean="0">
-                <a:solidFill>
-                  <a:srgbClr val="660033"/>
-                </a:solidFill>
-                <a:latin typeface="微軟正黑體" pitchFamily="34" charset="-120"/>
-                <a:ea typeface="微軟正黑體" pitchFamily="34" charset="-120"/>
-              </a:rPr>
-              <a:t>徒</a:t>
-            </a:r>
-            <a:endParaRPr lang="en-US" altLang="zh-TW" sz="4800" b="1" dirty="0" smtClean="0">
+        </p:txBody>
+      </p:sp>
+      <p:sp>
+        <p:nvSpPr>
+          <p:cNvPr id="3" name="TextBox 2"/>
+          <p:cNvSpPr txBox="1"/>
+          <p:nvPr/>
+        </p:nvSpPr>
+        <p:spPr>
+          <a:xfrm>
+            <a:off x="0" y="3939902"/>
+            <a:ext cx="9144000" cy="646331"/>
+          </a:xfrm>
+          <a:prstGeom prst="rect">
+            <a:avLst/>
+          </a:prstGeom>
+          <a:noFill/>
+        </p:spPr>
+        <p:txBody>
+          <a:bodyPr wrap="square" rtlCol="0" anchor="ctr">
+            <a:spAutoFit/>
+          </a:bodyPr>
+          <a:lstStyle/>
+          <a:p>
+            <a:pPr algn="ctr"/>
+            <a:r>
+              <a:rPr lang="en-US" sz="3600" b="1" dirty="0">
+                <a:solidFill>
+                  <a:srgbClr val="000066"/>
+                </a:solidFill>
+                <a:effectLst/>
+                <a:latin typeface="Microsoft JhengHei" panose="020B0604030504040204" pitchFamily="34" charset="-120"/>
+                <a:ea typeface="Microsoft JhengHei" panose="020B0604030504040204" pitchFamily="34" charset="-120"/>
+              </a:rPr>
+              <a:t>( </a:t>
+            </a:r>
+            <a:r>
+              <a:rPr lang="zh-CN" altLang="en-US" sz="3600" b="1" dirty="0">
+                <a:solidFill>
+                  <a:srgbClr val="000066"/>
+                </a:solidFill>
+                <a:effectLst/>
+                <a:latin typeface="Microsoft JhengHei" panose="020B0604030504040204" pitchFamily="34" charset="-120"/>
+                <a:ea typeface="Microsoft JhengHei" panose="020B0604030504040204" pitchFamily="34" charset="-120"/>
+              </a:rPr>
+              <a:t>正</a:t>
+            </a:r>
+            <a:r>
+              <a:rPr lang="en-US" sz="3600" b="1" dirty="0" smtClean="0">
+                <a:solidFill>
+                  <a:srgbClr val="000066"/>
+                </a:solidFill>
+                <a:effectLst/>
+                <a:latin typeface="Microsoft JhengHei" panose="020B0604030504040204" pitchFamily="34" charset="-120"/>
+                <a:ea typeface="Microsoft JhengHei" panose="020B0604030504040204" pitchFamily="34" charset="-120"/>
+              </a:rPr>
+              <a:t> </a:t>
+            </a:r>
+            <a:r>
+              <a:rPr lang="en-US" sz="3600" b="1" dirty="0">
+                <a:solidFill>
+                  <a:srgbClr val="000066"/>
+                </a:solidFill>
+                <a:effectLst/>
+                <a:latin typeface="Microsoft JhengHei" panose="020B0604030504040204" pitchFamily="34" charset="-120"/>
+                <a:ea typeface="Microsoft JhengHei" panose="020B0604030504040204" pitchFamily="34" charset="-120"/>
+              </a:rPr>
+              <a:t>)</a:t>
+            </a:r>
+            <a:endParaRPr lang="vi-VN" sz="3600" b="1" dirty="0">
               <a:solidFill>
-                <a:srgbClr val="660033"/>
+                <a:srgbClr val="000066"/>
               </a:solidFill>
-              <a:latin typeface="微軟正黑體" pitchFamily="34" charset="-120"/>
-              <a:ea typeface="微軟正黑體" pitchFamily="34" charset="-120"/>
+              <a:effectLst/>
+              <a:ea typeface="Microsoft JhengHei" panose="020B0604030504040204" pitchFamily="34" charset="-120"/>
             </a:endParaRPr>
           </a:p>
-          <a:p>
-            <a:pPr algn="ctr">
-              <a:buNone/>
-            </a:pPr>
-            <a:r>
-              <a:rPr lang="zh-TW" altLang="en-US" sz="4800" b="1" dirty="0">
-                <a:solidFill>
-                  <a:srgbClr val="660033"/>
-                </a:solidFill>
-                <a:latin typeface="微軟正黑體" pitchFamily="34" charset="-120"/>
-                <a:ea typeface="微軟正黑體" pitchFamily="34" charset="-120"/>
-              </a:rPr>
-              <a:t>求主差遣我去傳</a:t>
-            </a:r>
-            <a:r>
-              <a:rPr lang="zh-TW" altLang="en-US" sz="4800" b="1" dirty="0" smtClean="0">
-                <a:solidFill>
-                  <a:srgbClr val="660033"/>
-                </a:solidFill>
-                <a:latin typeface="微軟正黑體" pitchFamily="34" charset="-120"/>
-                <a:ea typeface="微軟正黑體" pitchFamily="34" charset="-120"/>
-              </a:rPr>
-              <a:t>揚</a:t>
-            </a:r>
-            <a:r>
-              <a:rPr lang="zh-CN" altLang="en-US" sz="4800" b="1" dirty="0">
-                <a:solidFill>
-                  <a:srgbClr val="660033"/>
-                </a:solidFill>
-                <a:latin typeface="微軟正黑體" pitchFamily="34" charset="-120"/>
-                <a:ea typeface="微軟正黑體" pitchFamily="34" charset="-120"/>
-              </a:rPr>
-              <a:t>袮</a:t>
-            </a:r>
-            <a:r>
-              <a:rPr lang="zh-TW" altLang="en-US" sz="4800" b="1" dirty="0" smtClean="0">
-                <a:solidFill>
-                  <a:srgbClr val="660033"/>
-                </a:solidFill>
-                <a:latin typeface="微軟正黑體" pitchFamily="34" charset="-120"/>
-                <a:ea typeface="微軟正黑體" pitchFamily="34" charset="-120"/>
-              </a:rPr>
-              <a:t>的</a:t>
-            </a:r>
-            <a:r>
-              <a:rPr lang="zh-TW" altLang="en-US" sz="4800" b="1" dirty="0">
-                <a:solidFill>
-                  <a:srgbClr val="660033"/>
-                </a:solidFill>
-                <a:latin typeface="微軟正黑體" pitchFamily="34" charset="-120"/>
-                <a:ea typeface="微軟正黑體" pitchFamily="34" charset="-120"/>
-              </a:rPr>
-              <a:t>愛</a:t>
-            </a:r>
-            <a:endParaRPr lang="en-US" altLang="zh-TW" sz="4800" b="1" dirty="0">
-              <a:solidFill>
-                <a:srgbClr val="660033"/>
-              </a:solidFill>
-              <a:latin typeface="微軟正黑體" pitchFamily="34" charset="-120"/>
-              <a:ea typeface="微軟正黑體" pitchFamily="34" charset="-120"/>
-            </a:endParaRPr>
-          </a:p>
-          <a:p>
-            <a:pPr algn="ctr">
-              <a:buNone/>
-            </a:pPr>
-            <a:r>
-              <a:rPr lang="zh-TW" altLang="en-US" sz="4800" b="1" dirty="0">
-                <a:solidFill>
-                  <a:srgbClr val="660033"/>
-                </a:solidFill>
-                <a:latin typeface="微軟正黑體" pitchFamily="34" charset="-120"/>
-                <a:ea typeface="微軟正黑體" pitchFamily="34" charset="-120"/>
-              </a:rPr>
-              <a:t>以愛擁抱城市</a:t>
-            </a:r>
-            <a:r>
-              <a:rPr lang="en-US" altLang="zh-TW" sz="4800" b="1" dirty="0">
-                <a:solidFill>
-                  <a:srgbClr val="660033"/>
-                </a:solidFill>
-                <a:latin typeface="微軟正黑體" pitchFamily="34" charset="-120"/>
-                <a:ea typeface="微軟正黑體" pitchFamily="34" charset="-120"/>
-              </a:rPr>
-              <a:t>  </a:t>
-            </a:r>
-            <a:r>
-              <a:rPr lang="zh-TW" altLang="en-US" sz="4800" b="1" dirty="0">
-                <a:solidFill>
-                  <a:srgbClr val="660033"/>
-                </a:solidFill>
-                <a:latin typeface="微軟正黑體" pitchFamily="34" charset="-120"/>
-                <a:ea typeface="微軟正黑體" pitchFamily="34" charset="-120"/>
-              </a:rPr>
-              <a:t>建立合一教</a:t>
-            </a:r>
-            <a:r>
-              <a:rPr lang="zh-TW" altLang="en-US" sz="4800" b="1" dirty="0" smtClean="0">
-                <a:solidFill>
-                  <a:srgbClr val="660033"/>
-                </a:solidFill>
-                <a:latin typeface="微軟正黑體" pitchFamily="34" charset="-120"/>
-                <a:ea typeface="微軟正黑體" pitchFamily="34" charset="-120"/>
-              </a:rPr>
-              <a:t>會</a:t>
-            </a:r>
-            <a:endParaRPr lang="zh-TW" altLang="en-US" sz="4800" b="1" dirty="0">
-              <a:solidFill>
-                <a:srgbClr val="660033"/>
-              </a:solidFill>
-              <a:latin typeface="微軟正黑體" pitchFamily="34" charset="-120"/>
-              <a:ea typeface="微軟正黑體" pitchFamily="34" charset="-120"/>
-            </a:endParaRPr>
-          </a:p>
         </p:txBody>
       </p:sp>
     </p:spTree>
+    <p:extLst>
+      <p:ext uri="{BB962C8B-B14F-4D97-AF65-F5344CB8AC3E}">
+        <p14:creationId xmlns:p14="http://schemas.microsoft.com/office/powerpoint/2010/main" val="3862657437"/>
+      </p:ext>
+    </p:extLst>
   </p:cSld>
   <p:clrMapOvr>
     <a:masterClrMapping/>
@@ -3580,57 +3359,57 @@
       </p:grpSpPr>
       <p:sp>
         <p:nvSpPr>
-          <p:cNvPr id="4" name="標題 3"/>
-          <p:cNvSpPr>
-            <a:spLocks noGrp="1"/>
-          </p:cNvSpPr>
-          <p:nvPr>
-            <p:ph type="title"/>
-          </p:nvPr>
-        </p:nvSpPr>
-        <p:spPr/>
-        <p:txBody>
-          <a:bodyPr>
+          <p:cNvPr id="5" name="內容版面配置區 4"/>
+          <p:cNvSpPr>
+            <a:spLocks noGrp="1"/>
+          </p:cNvSpPr>
+          <p:nvPr>
+            <p:ph idx="1"/>
+          </p:nvPr>
+        </p:nvSpPr>
+        <p:spPr>
+          <a:xfrm>
+            <a:off x="0" y="1563638"/>
+            <a:ext cx="9144000" cy="1803647"/>
+          </a:xfrm>
+        </p:spPr>
+        <p:txBody>
+          <a:bodyPr anchor="ctr">
             <a:normAutofit/>
           </a:bodyPr>
           <a:lstStyle/>
           <a:p>
-            <a:r>
-              <a:rPr lang="zh-CN" altLang="en-US" sz="4000" b="1" dirty="0">
-                <a:solidFill>
-                  <a:srgbClr val="660033"/>
+            <a:pPr algn="ctr">
+              <a:buNone/>
+            </a:pPr>
+            <a:r>
+              <a:rPr lang="zh-CN" altLang="en-US" sz="4800" b="1" dirty="0">
+                <a:solidFill>
+                  <a:srgbClr val="000066"/>
                 </a:solidFill>
                 <a:latin typeface="微軟正黑體" pitchFamily="34" charset="-120"/>
                 <a:ea typeface="微軟正黑體" pitchFamily="34" charset="-120"/>
               </a:rPr>
-              <a:t>揀選</a:t>
-            </a:r>
-            <a:endParaRPr lang="zh-TW" altLang="en-US" sz="4000" b="1" dirty="0">
+              <a:t>袮</a:t>
+            </a:r>
+            <a:r>
+              <a:rPr lang="zh-TW" altLang="en-US" sz="4800" b="1" dirty="0">
+                <a:solidFill>
+                  <a:srgbClr val="000066"/>
+                </a:solidFill>
+                <a:latin typeface="微軟正黑體" pitchFamily="34" charset="-120"/>
+                <a:ea typeface="微軟正黑體" pitchFamily="34" charset="-120"/>
+              </a:rPr>
+              <a:t>恩典使我被揀選</a:t>
+            </a:r>
+            <a:endParaRPr lang="en-US" altLang="zh-TW" sz="4800" b="1" dirty="0">
               <a:solidFill>
-                <a:srgbClr val="660033"/>
+                <a:srgbClr val="000066"/>
               </a:solidFill>
               <a:latin typeface="微軟正黑體" pitchFamily="34" charset="-120"/>
               <a:ea typeface="微軟正黑體" pitchFamily="34" charset="-120"/>
             </a:endParaRPr>
           </a:p>
-        </p:txBody>
-      </p:sp>
-      <p:sp>
-        <p:nvSpPr>
-          <p:cNvPr id="5" name="內容版面配置區 4"/>
-          <p:cNvSpPr>
-            <a:spLocks noGrp="1"/>
-          </p:cNvSpPr>
-          <p:nvPr>
-            <p:ph idx="1"/>
-          </p:nvPr>
-        </p:nvSpPr>
-        <p:spPr/>
-        <p:txBody>
-          <a:bodyPr>
-            <a:normAutofit/>
-          </a:bodyPr>
-          <a:lstStyle/>
           <a:p>
             <a:pPr algn="ctr">
               <a:buNone/>
@@ -3638,68 +3417,168 @@
             <a:r>
               <a:rPr lang="zh-TW" altLang="en-US" sz="4800" b="1" dirty="0">
                 <a:solidFill>
-                  <a:srgbClr val="660033"/>
+                  <a:srgbClr val="000066"/>
                 </a:solidFill>
                 <a:latin typeface="微軟正黑體" pitchFamily="34" charset="-120"/>
                 <a:ea typeface="微軟正黑體" pitchFamily="34" charset="-120"/>
               </a:rPr>
-              <a:t>賜我信心宣告</a:t>
-            </a:r>
-            <a:endParaRPr lang="en-US" altLang="zh-TW" sz="4800" b="1" dirty="0">
+              <a:t>叫我生命果子常存</a:t>
+            </a:r>
+            <a:endParaRPr lang="zh-TW" altLang="en-US" sz="4800" b="1" dirty="0">
               <a:solidFill>
-                <a:srgbClr val="660033"/>
+                <a:srgbClr val="000066"/>
               </a:solidFill>
               <a:latin typeface="微軟正黑體" pitchFamily="34" charset="-120"/>
               <a:ea typeface="微軟正黑體" pitchFamily="34" charset="-120"/>
             </a:endParaRPr>
           </a:p>
+        </p:txBody>
+      </p:sp>
+      <p:sp>
+        <p:nvSpPr>
+          <p:cNvPr id="3" name="TextBox 2"/>
+          <p:cNvSpPr txBox="1"/>
+          <p:nvPr/>
+        </p:nvSpPr>
+        <p:spPr>
+          <a:xfrm>
+            <a:off x="0" y="3939902"/>
+            <a:ext cx="9144000" cy="646331"/>
+          </a:xfrm>
+          <a:prstGeom prst="rect">
+            <a:avLst/>
+          </a:prstGeom>
+          <a:noFill/>
+        </p:spPr>
+        <p:txBody>
+          <a:bodyPr wrap="square" rtlCol="0" anchor="ctr">
+            <a:spAutoFit/>
+          </a:bodyPr>
+          <a:lstStyle/>
+          <a:p>
+            <a:pPr algn="ctr"/>
+            <a:r>
+              <a:rPr lang="en-US" sz="3600" b="1" dirty="0">
+                <a:solidFill>
+                  <a:srgbClr val="000066"/>
+                </a:solidFill>
+                <a:effectLst/>
+                <a:latin typeface="Microsoft JhengHei" panose="020B0604030504040204" pitchFamily="34" charset="-120"/>
+                <a:ea typeface="Microsoft JhengHei" panose="020B0604030504040204" pitchFamily="34" charset="-120"/>
+              </a:rPr>
+              <a:t>( </a:t>
+            </a:r>
+            <a:r>
+              <a:rPr lang="zh-CN" altLang="en-US" sz="3600" b="1" dirty="0">
+                <a:solidFill>
+                  <a:srgbClr val="000066"/>
+                </a:solidFill>
+                <a:effectLst/>
+                <a:latin typeface="Microsoft JhengHei" panose="020B0604030504040204" pitchFamily="34" charset="-120"/>
+                <a:ea typeface="Microsoft JhengHei" panose="020B0604030504040204" pitchFamily="34" charset="-120"/>
+              </a:rPr>
+              <a:t>正</a:t>
+            </a:r>
+            <a:r>
+              <a:rPr lang="en-US" sz="3600" b="1" dirty="0" smtClean="0">
+                <a:solidFill>
+                  <a:srgbClr val="000066"/>
+                </a:solidFill>
+                <a:effectLst/>
+                <a:latin typeface="Microsoft JhengHei" panose="020B0604030504040204" pitchFamily="34" charset="-120"/>
+                <a:ea typeface="Microsoft JhengHei" panose="020B0604030504040204" pitchFamily="34" charset="-120"/>
+              </a:rPr>
+              <a:t> </a:t>
+            </a:r>
+            <a:r>
+              <a:rPr lang="en-US" sz="3600" b="1" dirty="0">
+                <a:solidFill>
+                  <a:srgbClr val="000066"/>
+                </a:solidFill>
+                <a:effectLst/>
+                <a:latin typeface="Microsoft JhengHei" panose="020B0604030504040204" pitchFamily="34" charset="-120"/>
+                <a:ea typeface="Microsoft JhengHei" panose="020B0604030504040204" pitchFamily="34" charset="-120"/>
+              </a:rPr>
+              <a:t>)</a:t>
+            </a:r>
+            <a:endParaRPr lang="vi-VN" sz="3600" b="1" dirty="0">
+              <a:solidFill>
+                <a:srgbClr val="000066"/>
+              </a:solidFill>
+              <a:effectLst/>
+              <a:ea typeface="Microsoft JhengHei" panose="020B0604030504040204" pitchFamily="34" charset="-120"/>
+            </a:endParaRPr>
+          </a:p>
+        </p:txBody>
+      </p:sp>
+    </p:spTree>
+    <p:extLst>
+      <p:ext uri="{BB962C8B-B14F-4D97-AF65-F5344CB8AC3E}">
+        <p14:creationId xmlns:p14="http://schemas.microsoft.com/office/powerpoint/2010/main" val="2638608506"/>
+      </p:ext>
+    </p:extLst>
+  </p:cSld>
+  <p:clrMapOvr>
+    <a:masterClrMapping/>
+  </p:clrMapOvr>
+</p:sld>
+</file>
+
+<file path=ppt/slides/slide4.xml><?xml version="1.0" encoding="utf-8"?>
+<p:sld xmlns:a="http://schemas.openxmlformats.org/drawingml/2006/main" xmlns:r="http://schemas.openxmlformats.org/officeDocument/2006/relationships" xmlns:p="http://schemas.openxmlformats.org/presentationml/2006/main">
+  <p:cSld>
+    <p:spTree>
+      <p:nvGrpSpPr>
+        <p:cNvPr id="1" name=""/>
+        <p:cNvGrpSpPr/>
+        <p:nvPr/>
+      </p:nvGrpSpPr>
+      <p:grpSpPr>
+        <a:xfrm>
+          <a:off x="0" y="0"/>
+          <a:ext cx="0" cy="0"/>
+          <a:chOff x="0" y="0"/>
+          <a:chExt cx="0" cy="0"/>
+        </a:xfrm>
+      </p:grpSpPr>
+      <p:sp>
+        <p:nvSpPr>
+          <p:cNvPr id="5" name="內容版面配置區 4"/>
+          <p:cNvSpPr>
+            <a:spLocks noGrp="1"/>
+          </p:cNvSpPr>
+          <p:nvPr>
+            <p:ph idx="1"/>
+          </p:nvPr>
+        </p:nvSpPr>
+        <p:spPr>
+          <a:xfrm>
+            <a:off x="0" y="1563638"/>
+            <a:ext cx="9144000" cy="1803647"/>
+          </a:xfrm>
+        </p:spPr>
+        <p:txBody>
+          <a:bodyPr anchor="ctr">
+            <a:normAutofit/>
+          </a:bodyPr>
+          <a:lstStyle/>
           <a:p>
             <a:pPr algn="ctr">
               <a:buNone/>
             </a:pPr>
             <a:r>
-              <a:rPr lang="zh-TW" altLang="en-US" sz="4800" b="1" dirty="0" smtClean="0">
-                <a:solidFill>
-                  <a:srgbClr val="660033"/>
+              <a:rPr lang="zh-TW" altLang="en-US" sz="4800" b="1" dirty="0">
+                <a:solidFill>
+                  <a:srgbClr val="000066"/>
                 </a:solidFill>
                 <a:latin typeface="微軟正黑體" pitchFamily="34" charset="-120"/>
                 <a:ea typeface="微軟正黑體" pitchFamily="34" charset="-120"/>
               </a:rPr>
-              <a:t>在</a:t>
-            </a:r>
-            <a:r>
-              <a:rPr lang="zh-CN" altLang="en-US" sz="4800" b="1" dirty="0">
-                <a:solidFill>
-                  <a:srgbClr val="660033"/>
-                </a:solidFill>
-                <a:latin typeface="微軟正黑體" pitchFamily="34" charset="-120"/>
-                <a:ea typeface="微軟正黑體" pitchFamily="34" charset="-120"/>
-              </a:rPr>
-              <a:t>袮</a:t>
-            </a:r>
-            <a:r>
-              <a:rPr lang="zh-TW" altLang="en-US" sz="4800" b="1" dirty="0" smtClean="0">
-                <a:solidFill>
-                  <a:srgbClr val="660033"/>
-                </a:solidFill>
-                <a:latin typeface="微軟正黑體" pitchFamily="34" charset="-120"/>
-                <a:ea typeface="微軟正黑體" pitchFamily="34" charset="-120"/>
-              </a:rPr>
-              <a:t>凡</a:t>
-            </a:r>
-            <a:r>
-              <a:rPr lang="zh-TW" altLang="en-US" sz="4800" b="1" dirty="0">
-                <a:solidFill>
-                  <a:srgbClr val="660033"/>
-                </a:solidFill>
-                <a:latin typeface="微軟正黑體" pitchFamily="34" charset="-120"/>
-                <a:ea typeface="微軟正黑體" pitchFamily="34" charset="-120"/>
-              </a:rPr>
-              <a:t>事都能</a:t>
+              <a:t>求主用我來贏得更多靈魂</a:t>
             </a:r>
             <a:endParaRPr lang="en-US" altLang="zh-TW" sz="4800" b="1" dirty="0">
               <a:solidFill>
-                <a:srgbClr val="660033"/>
+                <a:srgbClr val="000066"/>
               </a:solidFill>
               <a:latin typeface="微軟正黑體" pitchFamily="34" charset="-120"/>
               <a:ea typeface="微軟正黑體" pitchFamily="34" charset="-120"/>
@@ -3712,57 +3591,654 @@
             <a:r>
               <a:rPr lang="zh-TW" altLang="en-US" sz="4800" b="1" dirty="0">
                 <a:solidFill>
-                  <a:srgbClr val="660033"/>
+                  <a:srgbClr val="000066"/>
                 </a:solidFill>
                 <a:latin typeface="微軟正黑體" pitchFamily="34" charset="-120"/>
                 <a:ea typeface="微軟正黑體" pitchFamily="34" charset="-120"/>
               </a:rPr>
-              <a:t>喔主  </a:t>
+              <a:t>堅固我  </a:t>
             </a:r>
             <a:r>
               <a:rPr lang="zh-TW" altLang="en-US" sz="4800" b="1" dirty="0" smtClean="0">
                 <a:solidFill>
-                  <a:srgbClr val="660033"/>
+                  <a:srgbClr val="000066"/>
                 </a:solidFill>
                 <a:latin typeface="微軟正黑體" pitchFamily="34" charset="-120"/>
                 <a:ea typeface="微軟正黑體" pitchFamily="34" charset="-120"/>
               </a:rPr>
-              <a:t>在</a:t>
-            </a:r>
-            <a:r>
-              <a:rPr lang="zh-CN" altLang="en-US" sz="4800" b="1" dirty="0">
-                <a:solidFill>
-                  <a:srgbClr val="660033"/>
+              <a:t> 潔</a:t>
+            </a:r>
+            <a:r>
+              <a:rPr lang="zh-TW" altLang="en-US" sz="4800" b="1" dirty="0">
+                <a:solidFill>
+                  <a:srgbClr val="000066"/>
                 </a:solidFill>
                 <a:latin typeface="微軟正黑體" pitchFamily="34" charset="-120"/>
                 <a:ea typeface="微軟正黑體" pitchFamily="34" charset="-120"/>
               </a:rPr>
-              <a:t>袮</a:t>
+              <a:t>淨</a:t>
             </a:r>
             <a:r>
               <a:rPr lang="zh-TW" altLang="en-US" sz="4800" b="1" dirty="0" smtClean="0">
                 <a:solidFill>
-                  <a:srgbClr val="660033"/>
+                  <a:srgbClr val="000066"/>
                 </a:solidFill>
                 <a:latin typeface="微軟正黑體" pitchFamily="34" charset="-120"/>
                 <a:ea typeface="微軟正黑體" pitchFamily="34" charset="-120"/>
               </a:rPr>
-              <a:t>凡</a:t>
+              <a:t>我   </a:t>
             </a:r>
             <a:r>
               <a:rPr lang="zh-TW" altLang="en-US" sz="4800" b="1" dirty="0">
                 <a:solidFill>
-                  <a:srgbClr val="660033"/>
+                  <a:srgbClr val="000066"/>
                 </a:solidFill>
                 <a:latin typeface="微軟正黑體" pitchFamily="34" charset="-120"/>
                 <a:ea typeface="微軟正黑體" pitchFamily="34" charset="-120"/>
               </a:rPr>
-              <a:t>事都能</a:t>
-            </a:r>
+              <a:t>委身做</a:t>
+            </a:r>
+            <a:r>
+              <a:rPr lang="zh-CN" altLang="en-US" sz="4800" b="1" dirty="0">
+                <a:solidFill>
+                  <a:srgbClr val="000066"/>
+                </a:solidFill>
+                <a:latin typeface="微軟正黑體" pitchFamily="34" charset="-120"/>
+                <a:ea typeface="微軟正黑體" pitchFamily="34" charset="-120"/>
+              </a:rPr>
+              <a:t>袮</a:t>
+            </a:r>
+            <a:r>
+              <a:rPr lang="zh-TW" altLang="en-US" sz="4800" b="1" dirty="0">
+                <a:solidFill>
+                  <a:srgbClr val="000066"/>
+                </a:solidFill>
+                <a:latin typeface="微軟正黑體" pitchFamily="34" charset="-120"/>
+                <a:ea typeface="微軟正黑體" pitchFamily="34" charset="-120"/>
+              </a:rPr>
+              <a:t>門徒</a:t>
+            </a:r>
+            <a:endParaRPr lang="en-US" altLang="zh-TW" sz="4800" b="1" dirty="0">
+              <a:solidFill>
+                <a:srgbClr val="000066"/>
+              </a:solidFill>
+              <a:latin typeface="微軟正黑體" pitchFamily="34" charset="-120"/>
+              <a:ea typeface="微軟正黑體" pitchFamily="34" charset="-120"/>
+            </a:endParaRPr>
+          </a:p>
+        </p:txBody>
+      </p:sp>
+      <p:sp>
+        <p:nvSpPr>
+          <p:cNvPr id="3" name="TextBox 2"/>
+          <p:cNvSpPr txBox="1"/>
+          <p:nvPr/>
+        </p:nvSpPr>
+        <p:spPr>
+          <a:xfrm>
+            <a:off x="0" y="3939902"/>
+            <a:ext cx="9144000" cy="646331"/>
+          </a:xfrm>
+          <a:prstGeom prst="rect">
+            <a:avLst/>
+          </a:prstGeom>
+          <a:noFill/>
+        </p:spPr>
+        <p:txBody>
+          <a:bodyPr wrap="square" rtlCol="0" anchor="ctr">
+            <a:spAutoFit/>
+          </a:bodyPr>
+          <a:lstStyle/>
+          <a:p>
+            <a:pPr algn="ctr"/>
+            <a:r>
+              <a:rPr lang="en-US" sz="3600" b="1" dirty="0">
+                <a:solidFill>
+                  <a:srgbClr val="000066"/>
+                </a:solidFill>
+                <a:effectLst/>
+                <a:latin typeface="Microsoft JhengHei" panose="020B0604030504040204" pitchFamily="34" charset="-120"/>
+                <a:ea typeface="Microsoft JhengHei" panose="020B0604030504040204" pitchFamily="34" charset="-120"/>
+              </a:rPr>
+              <a:t>( </a:t>
+            </a:r>
+            <a:r>
+              <a:rPr lang="zh-CN" altLang="en-US" sz="3600" b="1" dirty="0" smtClean="0">
+                <a:solidFill>
+                  <a:srgbClr val="000066"/>
+                </a:solidFill>
+                <a:effectLst/>
+                <a:latin typeface="Microsoft JhengHei" panose="020B0604030504040204" pitchFamily="34" charset="-120"/>
+                <a:ea typeface="Microsoft JhengHei" panose="020B0604030504040204" pitchFamily="34" charset="-120"/>
+              </a:rPr>
+              <a:t>副</a:t>
+            </a:r>
+            <a:r>
+              <a:rPr lang="en-US" sz="3600" b="1" dirty="0" smtClean="0">
+                <a:solidFill>
+                  <a:srgbClr val="000066"/>
+                </a:solidFill>
+                <a:effectLst/>
+                <a:latin typeface="Microsoft JhengHei" panose="020B0604030504040204" pitchFamily="34" charset="-120"/>
+                <a:ea typeface="Microsoft JhengHei" panose="020B0604030504040204" pitchFamily="34" charset="-120"/>
+              </a:rPr>
+              <a:t> </a:t>
+            </a:r>
+            <a:r>
+              <a:rPr lang="en-US" sz="3600" b="1" dirty="0">
+                <a:solidFill>
+                  <a:srgbClr val="000066"/>
+                </a:solidFill>
+                <a:effectLst/>
+                <a:latin typeface="Microsoft JhengHei" panose="020B0604030504040204" pitchFamily="34" charset="-120"/>
+                <a:ea typeface="Microsoft JhengHei" panose="020B0604030504040204" pitchFamily="34" charset="-120"/>
+              </a:rPr>
+              <a:t>)</a:t>
+            </a:r>
+            <a:endParaRPr lang="vi-VN" sz="3600" b="1" dirty="0">
+              <a:solidFill>
+                <a:srgbClr val="000066"/>
+              </a:solidFill>
+              <a:effectLst/>
+              <a:ea typeface="Microsoft JhengHei" panose="020B0604030504040204" pitchFamily="34" charset="-120"/>
+            </a:endParaRPr>
           </a:p>
         </p:txBody>
       </p:sp>
     </p:spTree>
+    <p:extLst>
+      <p:ext uri="{BB962C8B-B14F-4D97-AF65-F5344CB8AC3E}">
+        <p14:creationId xmlns:p14="http://schemas.microsoft.com/office/powerpoint/2010/main" val="213409082"/>
+      </p:ext>
+    </p:extLst>
+  </p:cSld>
+  <p:clrMapOvr>
+    <a:masterClrMapping/>
+  </p:clrMapOvr>
+</p:sld>
+</file>
+
+<file path=ppt/slides/slide5.xml><?xml version="1.0" encoding="utf-8"?>
+<p:sld xmlns:a="http://schemas.openxmlformats.org/drawingml/2006/main" xmlns:r="http://schemas.openxmlformats.org/officeDocument/2006/relationships" xmlns:p="http://schemas.openxmlformats.org/presentationml/2006/main">
+  <p:cSld>
+    <p:spTree>
+      <p:nvGrpSpPr>
+        <p:cNvPr id="1" name=""/>
+        <p:cNvGrpSpPr/>
+        <p:nvPr/>
+      </p:nvGrpSpPr>
+      <p:grpSpPr>
+        <a:xfrm>
+          <a:off x="0" y="0"/>
+          <a:ext cx="0" cy="0"/>
+          <a:chOff x="0" y="0"/>
+          <a:chExt cx="0" cy="0"/>
+        </a:xfrm>
+      </p:grpSpPr>
+      <p:sp>
+        <p:nvSpPr>
+          <p:cNvPr id="5" name="內容版面配置區 4"/>
+          <p:cNvSpPr>
+            <a:spLocks noGrp="1"/>
+          </p:cNvSpPr>
+          <p:nvPr>
+            <p:ph idx="1"/>
+          </p:nvPr>
+        </p:nvSpPr>
+        <p:spPr>
+          <a:xfrm>
+            <a:off x="0" y="1563638"/>
+            <a:ext cx="9144000" cy="1803647"/>
+          </a:xfrm>
+        </p:spPr>
+        <p:txBody>
+          <a:bodyPr anchor="ctr">
+            <a:normAutofit/>
+          </a:bodyPr>
+          <a:lstStyle/>
+          <a:p>
+            <a:pPr algn="ctr">
+              <a:buNone/>
+            </a:pPr>
+            <a:r>
+              <a:rPr lang="zh-TW" altLang="en-US" sz="4800" b="1" dirty="0">
+                <a:solidFill>
+                  <a:srgbClr val="000066"/>
+                </a:solidFill>
+                <a:latin typeface="微軟正黑體" pitchFamily="34" charset="-120"/>
+                <a:ea typeface="微軟正黑體" pitchFamily="34" charset="-120"/>
+              </a:rPr>
+              <a:t>求主差遣我去傳揚</a:t>
+            </a:r>
+            <a:r>
+              <a:rPr lang="zh-CN" altLang="en-US" sz="4800" b="1" dirty="0">
+                <a:solidFill>
+                  <a:srgbClr val="000066"/>
+                </a:solidFill>
+                <a:latin typeface="微軟正黑體" pitchFamily="34" charset="-120"/>
+                <a:ea typeface="微軟正黑體" pitchFamily="34" charset="-120"/>
+              </a:rPr>
+              <a:t>袮</a:t>
+            </a:r>
+            <a:r>
+              <a:rPr lang="zh-TW" altLang="en-US" sz="4800" b="1" dirty="0">
+                <a:solidFill>
+                  <a:srgbClr val="000066"/>
+                </a:solidFill>
+                <a:latin typeface="微軟正黑體" pitchFamily="34" charset="-120"/>
+                <a:ea typeface="微軟正黑體" pitchFamily="34" charset="-120"/>
+              </a:rPr>
+              <a:t>的愛</a:t>
+            </a:r>
+            <a:endParaRPr lang="en-US" altLang="zh-TW" sz="4800" b="1" dirty="0">
+              <a:solidFill>
+                <a:srgbClr val="000066"/>
+              </a:solidFill>
+              <a:latin typeface="微軟正黑體" pitchFamily="34" charset="-120"/>
+              <a:ea typeface="微軟正黑體" pitchFamily="34" charset="-120"/>
+            </a:endParaRPr>
+          </a:p>
+          <a:p>
+            <a:pPr algn="ctr">
+              <a:buNone/>
+            </a:pPr>
+            <a:r>
+              <a:rPr lang="zh-TW" altLang="en-US" sz="4800" b="1" dirty="0">
+                <a:solidFill>
+                  <a:srgbClr val="000066"/>
+                </a:solidFill>
+                <a:latin typeface="微軟正黑體" pitchFamily="34" charset="-120"/>
+                <a:ea typeface="微軟正黑體" pitchFamily="34" charset="-120"/>
+              </a:rPr>
+              <a:t>以愛擁抱城市</a:t>
+            </a:r>
+            <a:r>
+              <a:rPr lang="en-US" altLang="zh-TW" sz="4800" b="1" dirty="0">
+                <a:solidFill>
+                  <a:srgbClr val="000066"/>
+                </a:solidFill>
+                <a:latin typeface="微軟正黑體" pitchFamily="34" charset="-120"/>
+                <a:ea typeface="微軟正黑體" pitchFamily="34" charset="-120"/>
+              </a:rPr>
+              <a:t>  </a:t>
+            </a:r>
+            <a:r>
+              <a:rPr lang="en-US" altLang="zh-TW" sz="4800" b="1" dirty="0" smtClean="0">
+                <a:solidFill>
+                  <a:srgbClr val="000066"/>
+                </a:solidFill>
+                <a:latin typeface="微軟正黑體" pitchFamily="34" charset="-120"/>
+                <a:ea typeface="微軟正黑體" pitchFamily="34" charset="-120"/>
+              </a:rPr>
+              <a:t> </a:t>
+            </a:r>
+            <a:r>
+              <a:rPr lang="zh-TW" altLang="en-US" sz="4800" b="1" dirty="0" smtClean="0">
+                <a:solidFill>
+                  <a:srgbClr val="000066"/>
+                </a:solidFill>
+                <a:latin typeface="微軟正黑體" pitchFamily="34" charset="-120"/>
+                <a:ea typeface="微軟正黑體" pitchFamily="34" charset="-120"/>
+              </a:rPr>
+              <a:t>建</a:t>
+            </a:r>
+            <a:r>
+              <a:rPr lang="zh-TW" altLang="en-US" sz="4800" b="1" dirty="0">
+                <a:solidFill>
+                  <a:srgbClr val="000066"/>
+                </a:solidFill>
+                <a:latin typeface="微軟正黑體" pitchFamily="34" charset="-120"/>
+                <a:ea typeface="微軟正黑體" pitchFamily="34" charset="-120"/>
+              </a:rPr>
+              <a:t>立合一教會</a:t>
+            </a:r>
+            <a:endParaRPr lang="zh-TW" altLang="en-US" sz="4800" b="1" dirty="0">
+              <a:solidFill>
+                <a:srgbClr val="000066"/>
+              </a:solidFill>
+              <a:latin typeface="微軟正黑體" pitchFamily="34" charset="-120"/>
+              <a:ea typeface="微軟正黑體" pitchFamily="34" charset="-120"/>
+            </a:endParaRPr>
+          </a:p>
+        </p:txBody>
+      </p:sp>
+      <p:sp>
+        <p:nvSpPr>
+          <p:cNvPr id="3" name="TextBox 2"/>
+          <p:cNvSpPr txBox="1"/>
+          <p:nvPr/>
+        </p:nvSpPr>
+        <p:spPr>
+          <a:xfrm>
+            <a:off x="0" y="3939902"/>
+            <a:ext cx="9144000" cy="646331"/>
+          </a:xfrm>
+          <a:prstGeom prst="rect">
+            <a:avLst/>
+          </a:prstGeom>
+          <a:noFill/>
+        </p:spPr>
+        <p:txBody>
+          <a:bodyPr wrap="square" rtlCol="0" anchor="ctr">
+            <a:spAutoFit/>
+          </a:bodyPr>
+          <a:lstStyle/>
+          <a:p>
+            <a:pPr algn="ctr"/>
+            <a:r>
+              <a:rPr lang="en-US" sz="3600" b="1" dirty="0">
+                <a:solidFill>
+                  <a:srgbClr val="000066"/>
+                </a:solidFill>
+                <a:effectLst/>
+                <a:latin typeface="Microsoft JhengHei" panose="020B0604030504040204" pitchFamily="34" charset="-120"/>
+                <a:ea typeface="Microsoft JhengHei" panose="020B0604030504040204" pitchFamily="34" charset="-120"/>
+              </a:rPr>
+              <a:t>( </a:t>
+            </a:r>
+            <a:r>
+              <a:rPr lang="zh-CN" altLang="en-US" sz="3600" b="1" dirty="0" smtClean="0">
+                <a:solidFill>
+                  <a:srgbClr val="000066"/>
+                </a:solidFill>
+                <a:effectLst/>
+                <a:latin typeface="Microsoft JhengHei" panose="020B0604030504040204" pitchFamily="34" charset="-120"/>
+                <a:ea typeface="Microsoft JhengHei" panose="020B0604030504040204" pitchFamily="34" charset="-120"/>
+              </a:rPr>
+              <a:t>副</a:t>
+            </a:r>
+            <a:r>
+              <a:rPr lang="en-US" sz="3600" b="1" dirty="0" smtClean="0">
+                <a:solidFill>
+                  <a:srgbClr val="000066"/>
+                </a:solidFill>
+                <a:effectLst/>
+                <a:latin typeface="Microsoft JhengHei" panose="020B0604030504040204" pitchFamily="34" charset="-120"/>
+                <a:ea typeface="Microsoft JhengHei" panose="020B0604030504040204" pitchFamily="34" charset="-120"/>
+              </a:rPr>
+              <a:t> </a:t>
+            </a:r>
+            <a:r>
+              <a:rPr lang="en-US" sz="3600" b="1" dirty="0">
+                <a:solidFill>
+                  <a:srgbClr val="000066"/>
+                </a:solidFill>
+                <a:effectLst/>
+                <a:latin typeface="Microsoft JhengHei" panose="020B0604030504040204" pitchFamily="34" charset="-120"/>
+                <a:ea typeface="Microsoft JhengHei" panose="020B0604030504040204" pitchFamily="34" charset="-120"/>
+              </a:rPr>
+              <a:t>)</a:t>
+            </a:r>
+            <a:endParaRPr lang="vi-VN" sz="3600" b="1" dirty="0">
+              <a:solidFill>
+                <a:srgbClr val="000066"/>
+              </a:solidFill>
+              <a:effectLst/>
+              <a:ea typeface="Microsoft JhengHei" panose="020B0604030504040204" pitchFamily="34" charset="-120"/>
+            </a:endParaRPr>
+          </a:p>
+        </p:txBody>
+      </p:sp>
+    </p:spTree>
+    <p:extLst>
+      <p:ext uri="{BB962C8B-B14F-4D97-AF65-F5344CB8AC3E}">
+        <p14:creationId xmlns:p14="http://schemas.microsoft.com/office/powerpoint/2010/main" val="3609285986"/>
+      </p:ext>
+    </p:extLst>
+  </p:cSld>
+  <p:clrMapOvr>
+    <a:masterClrMapping/>
+  </p:clrMapOvr>
+</p:sld>
+</file>
+
+<file path=ppt/slides/slide6.xml><?xml version="1.0" encoding="utf-8"?>
+<p:sld xmlns:a="http://schemas.openxmlformats.org/drawingml/2006/main" xmlns:r="http://schemas.openxmlformats.org/officeDocument/2006/relationships" xmlns:p="http://schemas.openxmlformats.org/presentationml/2006/main">
+  <p:cSld>
+    <p:spTree>
+      <p:nvGrpSpPr>
+        <p:cNvPr id="1" name=""/>
+        <p:cNvGrpSpPr/>
+        <p:nvPr/>
+      </p:nvGrpSpPr>
+      <p:grpSpPr>
+        <a:xfrm>
+          <a:off x="0" y="0"/>
+          <a:ext cx="0" cy="0"/>
+          <a:chOff x="0" y="0"/>
+          <a:chExt cx="0" cy="0"/>
+        </a:xfrm>
+      </p:grpSpPr>
+      <p:sp>
+        <p:nvSpPr>
+          <p:cNvPr id="5" name="內容版面配置區 4"/>
+          <p:cNvSpPr>
+            <a:spLocks noGrp="1"/>
+          </p:cNvSpPr>
+          <p:nvPr>
+            <p:ph idx="1"/>
+          </p:nvPr>
+        </p:nvSpPr>
+        <p:spPr>
+          <a:xfrm>
+            <a:off x="0" y="1563638"/>
+            <a:ext cx="9144000" cy="1803647"/>
+          </a:xfrm>
+        </p:spPr>
+        <p:txBody>
+          <a:bodyPr anchor="ctr">
+            <a:normAutofit/>
+          </a:bodyPr>
+          <a:lstStyle/>
+          <a:p>
+            <a:pPr algn="ctr">
+              <a:buNone/>
+            </a:pPr>
+            <a:r>
+              <a:rPr lang="zh-TW" altLang="en-US" sz="4800" b="1" dirty="0">
+                <a:solidFill>
+                  <a:srgbClr val="000066"/>
+                </a:solidFill>
+                <a:latin typeface="微軟正黑體" pitchFamily="34" charset="-120"/>
+                <a:ea typeface="微軟正黑體" pitchFamily="34" charset="-120"/>
+              </a:rPr>
+              <a:t>賜我信心宣</a:t>
+            </a:r>
+            <a:r>
+              <a:rPr lang="zh-TW" altLang="en-US" sz="4800" b="1" dirty="0" smtClean="0">
+                <a:solidFill>
+                  <a:srgbClr val="000066"/>
+                </a:solidFill>
+                <a:latin typeface="微軟正黑體" pitchFamily="34" charset="-120"/>
+                <a:ea typeface="微軟正黑體" pitchFamily="34" charset="-120"/>
+              </a:rPr>
+              <a:t>告</a:t>
+            </a:r>
+            <a:r>
+              <a:rPr lang="en-US" altLang="zh-TW" sz="4800" b="1" dirty="0" smtClean="0">
+                <a:solidFill>
+                  <a:srgbClr val="000066"/>
+                </a:solidFill>
+                <a:latin typeface="微軟正黑體" pitchFamily="34" charset="-120"/>
+                <a:ea typeface="微軟正黑體" pitchFamily="34" charset="-120"/>
+              </a:rPr>
+              <a:t>   </a:t>
+            </a:r>
+            <a:r>
+              <a:rPr lang="zh-TW" altLang="en-US" sz="4800" b="1" dirty="0" smtClean="0">
+                <a:solidFill>
+                  <a:srgbClr val="000066"/>
+                </a:solidFill>
+                <a:latin typeface="微軟正黑體" pitchFamily="34" charset="-120"/>
+                <a:ea typeface="微軟正黑體" pitchFamily="34" charset="-120"/>
+              </a:rPr>
+              <a:t>在</a:t>
+            </a:r>
+            <a:r>
+              <a:rPr lang="zh-CN" altLang="en-US" sz="4800" b="1" dirty="0">
+                <a:solidFill>
+                  <a:srgbClr val="000066"/>
+                </a:solidFill>
+                <a:latin typeface="微軟正黑體" pitchFamily="34" charset="-120"/>
+                <a:ea typeface="微軟正黑體" pitchFamily="34" charset="-120"/>
+              </a:rPr>
+              <a:t>袮</a:t>
+            </a:r>
+            <a:r>
+              <a:rPr lang="zh-TW" altLang="en-US" sz="4800" b="1" dirty="0">
+                <a:solidFill>
+                  <a:srgbClr val="000066"/>
+                </a:solidFill>
+                <a:latin typeface="微軟正黑體" pitchFamily="34" charset="-120"/>
+                <a:ea typeface="微軟正黑體" pitchFamily="34" charset="-120"/>
+              </a:rPr>
+              <a:t>凡事都能</a:t>
+            </a:r>
+            <a:endParaRPr lang="en-US" altLang="zh-TW" sz="4800" b="1" dirty="0">
+              <a:solidFill>
+                <a:srgbClr val="000066"/>
+              </a:solidFill>
+              <a:latin typeface="微軟正黑體" pitchFamily="34" charset="-120"/>
+              <a:ea typeface="微軟正黑體" pitchFamily="34" charset="-120"/>
+            </a:endParaRPr>
+          </a:p>
+          <a:p>
+            <a:pPr algn="ctr">
+              <a:buNone/>
+            </a:pPr>
+            <a:r>
+              <a:rPr lang="zh-TW" altLang="en-US" sz="4800" b="1" dirty="0">
+                <a:solidFill>
+                  <a:srgbClr val="000066"/>
+                </a:solidFill>
+                <a:latin typeface="微軟正黑體" pitchFamily="34" charset="-120"/>
+                <a:ea typeface="微軟正黑體" pitchFamily="34" charset="-120"/>
+              </a:rPr>
+              <a:t>喔主  </a:t>
+            </a:r>
+            <a:r>
+              <a:rPr lang="zh-TW" altLang="en-US" sz="4800" b="1" dirty="0" smtClean="0">
+                <a:solidFill>
+                  <a:srgbClr val="000066"/>
+                </a:solidFill>
+                <a:latin typeface="微軟正黑體" pitchFamily="34" charset="-120"/>
+                <a:ea typeface="微軟正黑體" pitchFamily="34" charset="-120"/>
+              </a:rPr>
+              <a:t> 在</a:t>
+            </a:r>
+            <a:r>
+              <a:rPr lang="zh-CN" altLang="en-US" sz="4800" b="1" dirty="0">
+                <a:solidFill>
+                  <a:srgbClr val="000066"/>
+                </a:solidFill>
+                <a:latin typeface="微軟正黑體" pitchFamily="34" charset="-120"/>
+                <a:ea typeface="微軟正黑體" pitchFamily="34" charset="-120"/>
+              </a:rPr>
+              <a:t>袮</a:t>
+            </a:r>
+            <a:r>
+              <a:rPr lang="zh-TW" altLang="en-US" sz="4800" b="1" dirty="0">
+                <a:solidFill>
+                  <a:srgbClr val="000066"/>
+                </a:solidFill>
+                <a:latin typeface="微軟正黑體" pitchFamily="34" charset="-120"/>
+                <a:ea typeface="微軟正黑體" pitchFamily="34" charset="-120"/>
+              </a:rPr>
+              <a:t>凡事都能</a:t>
+            </a:r>
+            <a:endParaRPr lang="zh-TW" altLang="en-US" sz="4800" b="1" dirty="0">
+              <a:solidFill>
+                <a:srgbClr val="000066"/>
+              </a:solidFill>
+              <a:latin typeface="微軟正黑體" pitchFamily="34" charset="-120"/>
+              <a:ea typeface="微軟正黑體" pitchFamily="34" charset="-120"/>
+            </a:endParaRPr>
+          </a:p>
+        </p:txBody>
+      </p:sp>
+      <p:sp>
+        <p:nvSpPr>
+          <p:cNvPr id="3" name="TextBox 2"/>
+          <p:cNvSpPr txBox="1"/>
+          <p:nvPr/>
+        </p:nvSpPr>
+        <p:spPr>
+          <a:xfrm>
+            <a:off x="0" y="3939902"/>
+            <a:ext cx="9144000" cy="646331"/>
+          </a:xfrm>
+          <a:prstGeom prst="rect">
+            <a:avLst/>
+          </a:prstGeom>
+          <a:noFill/>
+        </p:spPr>
+        <p:txBody>
+          <a:bodyPr wrap="square" rtlCol="0" anchor="ctr">
+            <a:spAutoFit/>
+          </a:bodyPr>
+          <a:lstStyle/>
+          <a:p>
+            <a:pPr algn="ctr"/>
+            <a:r>
+              <a:rPr lang="en-US" sz="3600" b="1" dirty="0">
+                <a:solidFill>
+                  <a:srgbClr val="000066"/>
+                </a:solidFill>
+                <a:effectLst/>
+                <a:latin typeface="Microsoft JhengHei" panose="020B0604030504040204" pitchFamily="34" charset="-120"/>
+                <a:ea typeface="Microsoft JhengHei" panose="020B0604030504040204" pitchFamily="34" charset="-120"/>
+              </a:rPr>
+              <a:t>( </a:t>
+            </a:r>
+            <a:r>
+              <a:rPr lang="zh-CN" altLang="en-US" sz="3600" b="1" dirty="0" smtClean="0">
+                <a:solidFill>
+                  <a:srgbClr val="000066"/>
+                </a:solidFill>
+                <a:effectLst/>
+                <a:latin typeface="Microsoft JhengHei" panose="020B0604030504040204" pitchFamily="34" charset="-120"/>
+                <a:ea typeface="Microsoft JhengHei" panose="020B0604030504040204" pitchFamily="34" charset="-120"/>
+              </a:rPr>
+              <a:t>副</a:t>
+            </a:r>
+            <a:r>
+              <a:rPr lang="en-US" sz="3600" b="1" dirty="0" smtClean="0">
+                <a:solidFill>
+                  <a:srgbClr val="000066"/>
+                </a:solidFill>
+                <a:effectLst/>
+                <a:latin typeface="Microsoft JhengHei" panose="020B0604030504040204" pitchFamily="34" charset="-120"/>
+                <a:ea typeface="Microsoft JhengHei" panose="020B0604030504040204" pitchFamily="34" charset="-120"/>
+              </a:rPr>
+              <a:t> </a:t>
+            </a:r>
+            <a:r>
+              <a:rPr lang="en-US" sz="3600" b="1" dirty="0">
+                <a:solidFill>
+                  <a:srgbClr val="000066"/>
+                </a:solidFill>
+                <a:effectLst/>
+                <a:latin typeface="Microsoft JhengHei" panose="020B0604030504040204" pitchFamily="34" charset="-120"/>
+                <a:ea typeface="Microsoft JhengHei" panose="020B0604030504040204" pitchFamily="34" charset="-120"/>
+              </a:rPr>
+              <a:t>)</a:t>
+            </a:r>
+            <a:endParaRPr lang="vi-VN" sz="3600" b="1" dirty="0">
+              <a:solidFill>
+                <a:srgbClr val="000066"/>
+              </a:solidFill>
+              <a:effectLst/>
+              <a:ea typeface="Microsoft JhengHei" panose="020B0604030504040204" pitchFamily="34" charset="-120"/>
+            </a:endParaRPr>
+          </a:p>
+        </p:txBody>
+      </p:sp>
+    </p:spTree>
+    <p:extLst>
+      <p:ext uri="{BB962C8B-B14F-4D97-AF65-F5344CB8AC3E}">
+        <p14:creationId xmlns:p14="http://schemas.microsoft.com/office/powerpoint/2010/main" val="4250414396"/>
+      </p:ext>
+    </p:extLst>
   </p:cSld>
   <p:clrMapOvr>
     <a:masterClrMapping/>

--- a/揀選(崇拜版).pptx
+++ b/揀選(崇拜版).pptx
@@ -309,7 +309,7 @@
           <a:p>
             <a:fld id="{99ACEE97-997B-4A4F-AF3D-6B6CD75D4604}" type="datetimeFigureOut">
               <a:rPr lang="zh-TW" altLang="en-US" smtClean="0"/>
-              <a:t>2021/11/6</a:t>
+              <a:t>2023/1/14</a:t>
             </a:fld>
             <a:endParaRPr lang="zh-TW" altLang="en-US"/>
           </a:p>
@@ -474,7 +474,7 @@
           <a:p>
             <a:fld id="{99ACEE97-997B-4A4F-AF3D-6B6CD75D4604}" type="datetimeFigureOut">
               <a:rPr lang="zh-TW" altLang="en-US" smtClean="0"/>
-              <a:t>2021/11/6</a:t>
+              <a:t>2023/1/14</a:t>
             </a:fld>
             <a:endParaRPr lang="zh-TW" altLang="en-US"/>
           </a:p>
@@ -649,7 +649,7 @@
           <a:p>
             <a:fld id="{99ACEE97-997B-4A4F-AF3D-6B6CD75D4604}" type="datetimeFigureOut">
               <a:rPr lang="zh-TW" altLang="en-US" smtClean="0"/>
-              <a:t>2021/11/6</a:t>
+              <a:t>2023/1/14</a:t>
             </a:fld>
             <a:endParaRPr lang="zh-TW" altLang="en-US"/>
           </a:p>
@@ -814,7 +814,7 @@
           <a:p>
             <a:fld id="{99ACEE97-997B-4A4F-AF3D-6B6CD75D4604}" type="datetimeFigureOut">
               <a:rPr lang="zh-TW" altLang="en-US" smtClean="0"/>
-              <a:t>2021/11/6</a:t>
+              <a:t>2023/1/14</a:t>
             </a:fld>
             <a:endParaRPr lang="zh-TW" altLang="en-US"/>
           </a:p>
@@ -1055,7 +1055,7 @@
           <a:p>
             <a:fld id="{99ACEE97-997B-4A4F-AF3D-6B6CD75D4604}" type="datetimeFigureOut">
               <a:rPr lang="zh-TW" altLang="en-US" smtClean="0"/>
-              <a:t>2021/11/6</a:t>
+              <a:t>2023/1/14</a:t>
             </a:fld>
             <a:endParaRPr lang="zh-TW" altLang="en-US"/>
           </a:p>
@@ -1338,7 +1338,7 @@
           <a:p>
             <a:fld id="{99ACEE97-997B-4A4F-AF3D-6B6CD75D4604}" type="datetimeFigureOut">
               <a:rPr lang="zh-TW" altLang="en-US" smtClean="0"/>
-              <a:t>2021/11/6</a:t>
+              <a:t>2023/1/14</a:t>
             </a:fld>
             <a:endParaRPr lang="zh-TW" altLang="en-US"/>
           </a:p>
@@ -1755,7 +1755,7 @@
           <a:p>
             <a:fld id="{99ACEE97-997B-4A4F-AF3D-6B6CD75D4604}" type="datetimeFigureOut">
               <a:rPr lang="zh-TW" altLang="en-US" smtClean="0"/>
-              <a:t>2021/11/6</a:t>
+              <a:t>2023/1/14</a:t>
             </a:fld>
             <a:endParaRPr lang="zh-TW" altLang="en-US"/>
           </a:p>
@@ -1868,7 +1868,7 @@
           <a:p>
             <a:fld id="{99ACEE97-997B-4A4F-AF3D-6B6CD75D4604}" type="datetimeFigureOut">
               <a:rPr lang="zh-TW" altLang="en-US" smtClean="0"/>
-              <a:t>2021/11/6</a:t>
+              <a:t>2023/1/14</a:t>
             </a:fld>
             <a:endParaRPr lang="zh-TW" altLang="en-US"/>
           </a:p>
@@ -1958,7 +1958,7 @@
           <a:p>
             <a:fld id="{99ACEE97-997B-4A4F-AF3D-6B6CD75D4604}" type="datetimeFigureOut">
               <a:rPr lang="zh-TW" altLang="en-US" smtClean="0"/>
-              <a:t>2021/11/6</a:t>
+              <a:t>2023/1/14</a:t>
             </a:fld>
             <a:endParaRPr lang="zh-TW" altLang="en-US"/>
           </a:p>
@@ -2230,7 +2230,7 @@
           <a:p>
             <a:fld id="{99ACEE97-997B-4A4F-AF3D-6B6CD75D4604}" type="datetimeFigureOut">
               <a:rPr lang="zh-TW" altLang="en-US" smtClean="0"/>
-              <a:t>2021/11/6</a:t>
+              <a:t>2023/1/14</a:t>
             </a:fld>
             <a:endParaRPr lang="zh-TW" altLang="en-US"/>
           </a:p>
@@ -2482,7 +2482,7 @@
           <a:p>
             <a:fld id="{99ACEE97-997B-4A4F-AF3D-6B6CD75D4604}" type="datetimeFigureOut">
               <a:rPr lang="zh-TW" altLang="en-US" smtClean="0"/>
-              <a:t>2021/11/6</a:t>
+              <a:t>2023/1/14</a:t>
             </a:fld>
             <a:endParaRPr lang="zh-TW" altLang="en-US"/>
           </a:p>
@@ -2695,7 +2695,7 @@
           <a:p>
             <a:fld id="{99ACEE97-997B-4A4F-AF3D-6B6CD75D4604}" type="datetimeFigureOut">
               <a:rPr lang="zh-TW" altLang="en-US" smtClean="0"/>
-              <a:t>2021/11/6</a:t>
+              <a:t>2023/1/14</a:t>
             </a:fld>
             <a:endParaRPr lang="zh-TW" altLang="en-US"/>
           </a:p>
@@ -3258,8 +3258,8 @@
         </p:nvSpPr>
         <p:spPr>
           <a:xfrm>
-            <a:off x="0" y="3939902"/>
-            <a:ext cx="9144000" cy="646331"/>
+            <a:off x="0" y="4001457"/>
+            <a:ext cx="9144000" cy="523220"/>
           </a:xfrm>
           <a:prstGeom prst="rect">
             <a:avLst/>
@@ -3274,7 +3274,7 @@
           <a:p>
             <a:pPr algn="ctr"/>
             <a:r>
-              <a:rPr lang="en-US" sz="3600" b="1" dirty="0">
+              <a:rPr lang="en-US" sz="2800" b="1" dirty="0">
                 <a:solidFill>
                   <a:srgbClr val="000066"/>
                 </a:solidFill>
@@ -3285,7 +3285,7 @@
               <a:t>( </a:t>
             </a:r>
             <a:r>
-              <a:rPr lang="zh-CN" altLang="en-US" sz="3600" b="1" dirty="0">
+              <a:rPr lang="zh-CN" altLang="en-US" sz="2800" b="1" dirty="0">
                 <a:solidFill>
                   <a:srgbClr val="000066"/>
                 </a:solidFill>
@@ -3296,7 +3296,7 @@
               <a:t>正</a:t>
             </a:r>
             <a:r>
-              <a:rPr lang="en-US" sz="3600" b="1" dirty="0" smtClean="0">
+              <a:rPr lang="en-US" sz="2800" b="1" dirty="0" smtClean="0">
                 <a:solidFill>
                   <a:srgbClr val="000066"/>
                 </a:solidFill>
@@ -3307,7 +3307,7 @@
               <a:t> </a:t>
             </a:r>
             <a:r>
-              <a:rPr lang="en-US" sz="3600" b="1" dirty="0">
+              <a:rPr lang="en-US" sz="2800" b="1" dirty="0">
                 <a:solidFill>
                   <a:srgbClr val="000066"/>
                 </a:solidFill>
@@ -3317,7 +3317,7 @@
               </a:rPr>
               <a:t>)</a:t>
             </a:r>
-            <a:endParaRPr lang="vi-VN" sz="3600" b="1" dirty="0">
+            <a:endParaRPr lang="vi-VN" sz="2800" b="1" dirty="0">
               <a:solidFill>
                 <a:srgbClr val="000066"/>
               </a:solidFill>
@@ -3424,13 +3424,6 @@
               </a:rPr>
               <a:t>叫我生命果子常存</a:t>
             </a:r>
-            <a:endParaRPr lang="zh-TW" altLang="en-US" sz="4800" b="1" dirty="0">
-              <a:solidFill>
-                <a:srgbClr val="000066"/>
-              </a:solidFill>
-              <a:latin typeface="微軟正黑體" pitchFamily="34" charset="-120"/>
-              <a:ea typeface="微軟正黑體" pitchFamily="34" charset="-120"/>
-            </a:endParaRPr>
           </a:p>
         </p:txBody>
       </p:sp>
@@ -3442,8 +3435,8 @@
         </p:nvSpPr>
         <p:spPr>
           <a:xfrm>
-            <a:off x="0" y="3939902"/>
-            <a:ext cx="9144000" cy="646331"/>
+            <a:off x="0" y="4001457"/>
+            <a:ext cx="9144000" cy="523220"/>
           </a:xfrm>
           <a:prstGeom prst="rect">
             <a:avLst/>
@@ -3458,54 +3451,50 @@
           <a:p>
             <a:pPr algn="ctr"/>
             <a:r>
-              <a:rPr lang="en-US" sz="3600" b="1" dirty="0">
-                <a:solidFill>
-                  <a:srgbClr val="000066"/>
-                </a:solidFill>
-                <a:effectLst/>
+              <a:rPr lang="en-US" sz="2800" b="1" dirty="0">
+                <a:solidFill>
+                  <a:srgbClr val="000066"/>
+                </a:solidFill>
                 <a:latin typeface="Microsoft JhengHei" panose="020B0604030504040204" pitchFamily="34" charset="-120"/>
                 <a:ea typeface="Microsoft JhengHei" panose="020B0604030504040204" pitchFamily="34" charset="-120"/>
               </a:rPr>
               <a:t>( </a:t>
             </a:r>
             <a:r>
-              <a:rPr lang="zh-CN" altLang="en-US" sz="3600" b="1" dirty="0">
-                <a:solidFill>
-                  <a:srgbClr val="000066"/>
-                </a:solidFill>
-                <a:effectLst/>
+              <a:rPr lang="zh-CN" altLang="en-US" sz="2800" b="1" dirty="0">
+                <a:solidFill>
+                  <a:srgbClr val="000066"/>
+                </a:solidFill>
                 <a:latin typeface="Microsoft JhengHei" panose="020B0604030504040204" pitchFamily="34" charset="-120"/>
                 <a:ea typeface="Microsoft JhengHei" panose="020B0604030504040204" pitchFamily="34" charset="-120"/>
               </a:rPr>
               <a:t>正</a:t>
             </a:r>
             <a:r>
-              <a:rPr lang="en-US" sz="3600" b="1" dirty="0" smtClean="0">
-                <a:solidFill>
-                  <a:srgbClr val="000066"/>
-                </a:solidFill>
-                <a:effectLst/>
+              <a:rPr lang="en-US" sz="2800" b="1" dirty="0">
+                <a:solidFill>
+                  <a:srgbClr val="000066"/>
+                </a:solidFill>
                 <a:latin typeface="Microsoft JhengHei" panose="020B0604030504040204" pitchFamily="34" charset="-120"/>
                 <a:ea typeface="Microsoft JhengHei" panose="020B0604030504040204" pitchFamily="34" charset="-120"/>
               </a:rPr>
               <a:t> </a:t>
             </a:r>
             <a:r>
-              <a:rPr lang="en-US" sz="3600" b="1" dirty="0">
-                <a:solidFill>
-                  <a:srgbClr val="000066"/>
-                </a:solidFill>
-                <a:effectLst/>
+              <a:rPr lang="en-US" sz="2800" b="1" dirty="0">
+                <a:solidFill>
+                  <a:srgbClr val="000066"/>
+                </a:solidFill>
                 <a:latin typeface="Microsoft JhengHei" panose="020B0604030504040204" pitchFamily="34" charset="-120"/>
                 <a:ea typeface="Microsoft JhengHei" panose="020B0604030504040204" pitchFamily="34" charset="-120"/>
               </a:rPr>
               <a:t>)</a:t>
             </a:r>
-            <a:endParaRPr lang="vi-VN" sz="3600" b="1" dirty="0">
+            <a:endParaRPr lang="vi-VN" sz="2800" b="1" dirty="0">
               <a:solidFill>
                 <a:srgbClr val="000066"/>
               </a:solidFill>
-              <a:effectLst/>
+              <a:latin typeface="Microsoft JhengHei" panose="020B0604030504040204" pitchFamily="34" charset="-120"/>
               <a:ea typeface="Microsoft JhengHei" panose="020B0604030504040204" pitchFamily="34" charset="-120"/>
             </a:endParaRPr>
           </a:p>
@@ -3676,8 +3665,8 @@
         </p:nvSpPr>
         <p:spPr>
           <a:xfrm>
-            <a:off x="0" y="3939902"/>
-            <a:ext cx="9144000" cy="646331"/>
+            <a:off x="0" y="4001457"/>
+            <a:ext cx="9144000" cy="523220"/>
           </a:xfrm>
           <a:prstGeom prst="rect">
             <a:avLst/>
@@ -3692,54 +3681,50 @@
           <a:p>
             <a:pPr algn="ctr"/>
             <a:r>
-              <a:rPr lang="en-US" sz="3600" b="1" dirty="0">
-                <a:solidFill>
-                  <a:srgbClr val="000066"/>
-                </a:solidFill>
-                <a:effectLst/>
+              <a:rPr lang="en-US" sz="2800" b="1" dirty="0">
+                <a:solidFill>
+                  <a:srgbClr val="000066"/>
+                </a:solidFill>
                 <a:latin typeface="Microsoft JhengHei" panose="020B0604030504040204" pitchFamily="34" charset="-120"/>
                 <a:ea typeface="Microsoft JhengHei" panose="020B0604030504040204" pitchFamily="34" charset="-120"/>
               </a:rPr>
               <a:t>( </a:t>
             </a:r>
             <a:r>
-              <a:rPr lang="zh-CN" altLang="en-US" sz="3600" b="1" dirty="0" smtClean="0">
-                <a:solidFill>
-                  <a:srgbClr val="000066"/>
-                </a:solidFill>
-                <a:effectLst/>
+              <a:rPr lang="zh-CN" altLang="en-US" sz="2800" b="1" dirty="0">
+                <a:solidFill>
+                  <a:srgbClr val="000066"/>
+                </a:solidFill>
                 <a:latin typeface="Microsoft JhengHei" panose="020B0604030504040204" pitchFamily="34" charset="-120"/>
                 <a:ea typeface="Microsoft JhengHei" panose="020B0604030504040204" pitchFamily="34" charset="-120"/>
               </a:rPr>
               <a:t>副</a:t>
             </a:r>
             <a:r>
-              <a:rPr lang="en-US" sz="3600" b="1" dirty="0" smtClean="0">
-                <a:solidFill>
-                  <a:srgbClr val="000066"/>
-                </a:solidFill>
-                <a:effectLst/>
+              <a:rPr lang="en-US" sz="2800" b="1" dirty="0">
+                <a:solidFill>
+                  <a:srgbClr val="000066"/>
+                </a:solidFill>
                 <a:latin typeface="Microsoft JhengHei" panose="020B0604030504040204" pitchFamily="34" charset="-120"/>
                 <a:ea typeface="Microsoft JhengHei" panose="020B0604030504040204" pitchFamily="34" charset="-120"/>
               </a:rPr>
               <a:t> </a:t>
             </a:r>
             <a:r>
-              <a:rPr lang="en-US" sz="3600" b="1" dirty="0">
-                <a:solidFill>
-                  <a:srgbClr val="000066"/>
-                </a:solidFill>
-                <a:effectLst/>
+              <a:rPr lang="en-US" sz="2800" b="1" dirty="0">
+                <a:solidFill>
+                  <a:srgbClr val="000066"/>
+                </a:solidFill>
                 <a:latin typeface="Microsoft JhengHei" panose="020B0604030504040204" pitchFamily="34" charset="-120"/>
                 <a:ea typeface="Microsoft JhengHei" panose="020B0604030504040204" pitchFamily="34" charset="-120"/>
               </a:rPr>
               <a:t>)</a:t>
             </a:r>
-            <a:endParaRPr lang="vi-VN" sz="3600" b="1" dirty="0">
+            <a:endParaRPr lang="vi-VN" sz="2800" b="1" dirty="0">
               <a:solidFill>
                 <a:srgbClr val="000066"/>
               </a:solidFill>
-              <a:effectLst/>
+              <a:latin typeface="Microsoft JhengHei" panose="020B0604030504040204" pitchFamily="34" charset="-120"/>
               <a:ea typeface="Microsoft JhengHei" panose="020B0604030504040204" pitchFamily="34" charset="-120"/>
             </a:endParaRPr>
           </a:p>
@@ -3892,13 +3877,6 @@
               </a:rPr>
               <a:t>立合一教會</a:t>
             </a:r>
-            <a:endParaRPr lang="zh-TW" altLang="en-US" sz="4800" b="1" dirty="0">
-              <a:solidFill>
-                <a:srgbClr val="000066"/>
-              </a:solidFill>
-              <a:latin typeface="微軟正黑體" pitchFamily="34" charset="-120"/>
-              <a:ea typeface="微軟正黑體" pitchFamily="34" charset="-120"/>
-            </a:endParaRPr>
           </a:p>
         </p:txBody>
       </p:sp>
@@ -3910,8 +3888,8 @@
         </p:nvSpPr>
         <p:spPr>
           <a:xfrm>
-            <a:off x="0" y="3939902"/>
-            <a:ext cx="9144000" cy="646331"/>
+            <a:off x="0" y="4001457"/>
+            <a:ext cx="9144000" cy="523220"/>
           </a:xfrm>
           <a:prstGeom prst="rect">
             <a:avLst/>
@@ -3926,54 +3904,50 @@
           <a:p>
             <a:pPr algn="ctr"/>
             <a:r>
-              <a:rPr lang="en-US" sz="3600" b="1" dirty="0">
-                <a:solidFill>
-                  <a:srgbClr val="000066"/>
-                </a:solidFill>
-                <a:effectLst/>
+              <a:rPr lang="en-US" sz="2800" b="1" dirty="0">
+                <a:solidFill>
+                  <a:srgbClr val="000066"/>
+                </a:solidFill>
                 <a:latin typeface="Microsoft JhengHei" panose="020B0604030504040204" pitchFamily="34" charset="-120"/>
                 <a:ea typeface="Microsoft JhengHei" panose="020B0604030504040204" pitchFamily="34" charset="-120"/>
               </a:rPr>
               <a:t>( </a:t>
             </a:r>
             <a:r>
-              <a:rPr lang="zh-CN" altLang="en-US" sz="3600" b="1" dirty="0" smtClean="0">
-                <a:solidFill>
-                  <a:srgbClr val="000066"/>
-                </a:solidFill>
-                <a:effectLst/>
+              <a:rPr lang="zh-CN" altLang="en-US" sz="2800" b="1" dirty="0">
+                <a:solidFill>
+                  <a:srgbClr val="000066"/>
+                </a:solidFill>
                 <a:latin typeface="Microsoft JhengHei" panose="020B0604030504040204" pitchFamily="34" charset="-120"/>
                 <a:ea typeface="Microsoft JhengHei" panose="020B0604030504040204" pitchFamily="34" charset="-120"/>
               </a:rPr>
               <a:t>副</a:t>
             </a:r>
             <a:r>
-              <a:rPr lang="en-US" sz="3600" b="1" dirty="0" smtClean="0">
-                <a:solidFill>
-                  <a:srgbClr val="000066"/>
-                </a:solidFill>
-                <a:effectLst/>
+              <a:rPr lang="en-US" sz="2800" b="1" dirty="0">
+                <a:solidFill>
+                  <a:srgbClr val="000066"/>
+                </a:solidFill>
                 <a:latin typeface="Microsoft JhengHei" panose="020B0604030504040204" pitchFamily="34" charset="-120"/>
                 <a:ea typeface="Microsoft JhengHei" panose="020B0604030504040204" pitchFamily="34" charset="-120"/>
               </a:rPr>
               <a:t> </a:t>
             </a:r>
             <a:r>
-              <a:rPr lang="en-US" sz="3600" b="1" dirty="0">
-                <a:solidFill>
-                  <a:srgbClr val="000066"/>
-                </a:solidFill>
-                <a:effectLst/>
+              <a:rPr lang="en-US" sz="2800" b="1" dirty="0">
+                <a:solidFill>
+                  <a:srgbClr val="000066"/>
+                </a:solidFill>
                 <a:latin typeface="Microsoft JhengHei" panose="020B0604030504040204" pitchFamily="34" charset="-120"/>
                 <a:ea typeface="Microsoft JhengHei" panose="020B0604030504040204" pitchFamily="34" charset="-120"/>
               </a:rPr>
               <a:t>)</a:t>
             </a:r>
-            <a:endParaRPr lang="vi-VN" sz="3600" b="1" dirty="0">
+            <a:endParaRPr lang="vi-VN" sz="2800" b="1" dirty="0">
               <a:solidFill>
                 <a:srgbClr val="000066"/>
               </a:solidFill>
-              <a:effectLst/>
+              <a:latin typeface="Microsoft JhengHei" panose="020B0604030504040204" pitchFamily="34" charset="-120"/>
               <a:ea typeface="Microsoft JhengHei" panose="020B0604030504040204" pitchFamily="34" charset="-120"/>
             </a:endParaRPr>
           </a:p>
@@ -4146,13 +4120,6 @@
               </a:rPr>
               <a:t>凡事都能</a:t>
             </a:r>
-            <a:endParaRPr lang="zh-TW" altLang="en-US" sz="4800" b="1" dirty="0">
-              <a:solidFill>
-                <a:srgbClr val="000066"/>
-              </a:solidFill>
-              <a:latin typeface="微軟正黑體" pitchFamily="34" charset="-120"/>
-              <a:ea typeface="微軟正黑體" pitchFamily="34" charset="-120"/>
-            </a:endParaRPr>
           </a:p>
         </p:txBody>
       </p:sp>
@@ -4164,8 +4131,8 @@
         </p:nvSpPr>
         <p:spPr>
           <a:xfrm>
-            <a:off x="0" y="3939902"/>
-            <a:ext cx="9144000" cy="646331"/>
+            <a:off x="0" y="4001457"/>
+            <a:ext cx="9144000" cy="523220"/>
           </a:xfrm>
           <a:prstGeom prst="rect">
             <a:avLst/>
@@ -4180,54 +4147,50 @@
           <a:p>
             <a:pPr algn="ctr"/>
             <a:r>
-              <a:rPr lang="en-US" sz="3600" b="1" dirty="0">
-                <a:solidFill>
-                  <a:srgbClr val="000066"/>
-                </a:solidFill>
-                <a:effectLst/>
+              <a:rPr lang="en-US" sz="2800" b="1" dirty="0">
+                <a:solidFill>
+                  <a:srgbClr val="000066"/>
+                </a:solidFill>
                 <a:latin typeface="Microsoft JhengHei" panose="020B0604030504040204" pitchFamily="34" charset="-120"/>
                 <a:ea typeface="Microsoft JhengHei" panose="020B0604030504040204" pitchFamily="34" charset="-120"/>
               </a:rPr>
               <a:t>( </a:t>
             </a:r>
             <a:r>
-              <a:rPr lang="zh-CN" altLang="en-US" sz="3600" b="1" dirty="0" smtClean="0">
-                <a:solidFill>
-                  <a:srgbClr val="000066"/>
-                </a:solidFill>
-                <a:effectLst/>
+              <a:rPr lang="zh-CN" altLang="en-US" sz="2800" b="1" dirty="0">
+                <a:solidFill>
+                  <a:srgbClr val="000066"/>
+                </a:solidFill>
                 <a:latin typeface="Microsoft JhengHei" panose="020B0604030504040204" pitchFamily="34" charset="-120"/>
                 <a:ea typeface="Microsoft JhengHei" panose="020B0604030504040204" pitchFamily="34" charset="-120"/>
               </a:rPr>
               <a:t>副</a:t>
             </a:r>
             <a:r>
-              <a:rPr lang="en-US" sz="3600" b="1" dirty="0" smtClean="0">
-                <a:solidFill>
-                  <a:srgbClr val="000066"/>
-                </a:solidFill>
-                <a:effectLst/>
+              <a:rPr lang="en-US" sz="2800" b="1" dirty="0">
+                <a:solidFill>
+                  <a:srgbClr val="000066"/>
+                </a:solidFill>
                 <a:latin typeface="Microsoft JhengHei" panose="020B0604030504040204" pitchFamily="34" charset="-120"/>
                 <a:ea typeface="Microsoft JhengHei" panose="020B0604030504040204" pitchFamily="34" charset="-120"/>
               </a:rPr>
               <a:t> </a:t>
             </a:r>
             <a:r>
-              <a:rPr lang="en-US" sz="3600" b="1" dirty="0">
-                <a:solidFill>
-                  <a:srgbClr val="000066"/>
-                </a:solidFill>
-                <a:effectLst/>
+              <a:rPr lang="en-US" sz="2800" b="1" dirty="0">
+                <a:solidFill>
+                  <a:srgbClr val="000066"/>
+                </a:solidFill>
                 <a:latin typeface="Microsoft JhengHei" panose="020B0604030504040204" pitchFamily="34" charset="-120"/>
                 <a:ea typeface="Microsoft JhengHei" panose="020B0604030504040204" pitchFamily="34" charset="-120"/>
               </a:rPr>
               <a:t>)</a:t>
             </a:r>
-            <a:endParaRPr lang="vi-VN" sz="3600" b="1" dirty="0">
+            <a:endParaRPr lang="vi-VN" sz="2800" b="1" dirty="0">
               <a:solidFill>
                 <a:srgbClr val="000066"/>
               </a:solidFill>
-              <a:effectLst/>
+              <a:latin typeface="Microsoft JhengHei" panose="020B0604030504040204" pitchFamily="34" charset="-120"/>
               <a:ea typeface="Microsoft JhengHei" panose="020B0604030504040204" pitchFamily="34" charset="-120"/>
             </a:endParaRPr>
           </a:p>
